--- a/单向依赖的讨论材料/组件化多模式操作系统内核的实践v.04.pptx
+++ b/单向依赖的讨论材料/组件化多模式操作系统内核的实践v.04.pptx
@@ -229,7 +229,7 @@
           <a:p>
             <a:fld id="{0232C0B5-5BBF-4687-A2C4-7EEAA89D523D}" type="datetimeFigureOut">
               <a:rPr lang="zh-CN" altLang="en-US" smtClean="0"/>
-              <a:t>2024/3/30</a:t>
+              <a:t>2024/10/16</a:t>
             </a:fld>
             <a:endParaRPr lang="zh-CN" altLang="en-US"/>
           </a:p>
@@ -974,7 +974,7 @@
           <a:p>
             <a:fld id="{34A95C42-1EB8-46E8-8CE5-2840DE4C4251}" type="datetimeFigureOut">
               <a:rPr lang="zh-CN" altLang="en-US" smtClean="0"/>
-              <a:t>2024/3/30</a:t>
+              <a:t>2024/10/16</a:t>
             </a:fld>
             <a:endParaRPr lang="zh-CN" altLang="en-US"/>
           </a:p>
@@ -1172,7 +1172,7 @@
           <a:p>
             <a:fld id="{34A95C42-1EB8-46E8-8CE5-2840DE4C4251}" type="datetimeFigureOut">
               <a:rPr lang="zh-CN" altLang="en-US" smtClean="0"/>
-              <a:t>2024/3/30</a:t>
+              <a:t>2024/10/16</a:t>
             </a:fld>
             <a:endParaRPr lang="zh-CN" altLang="en-US"/>
           </a:p>
@@ -1380,7 +1380,7 @@
           <a:p>
             <a:fld id="{34A95C42-1EB8-46E8-8CE5-2840DE4C4251}" type="datetimeFigureOut">
               <a:rPr lang="zh-CN" altLang="en-US" smtClean="0"/>
-              <a:t>2024/3/30</a:t>
+              <a:t>2024/10/16</a:t>
             </a:fld>
             <a:endParaRPr lang="zh-CN" altLang="en-US"/>
           </a:p>
@@ -1578,7 +1578,7 @@
           <a:p>
             <a:fld id="{34A95C42-1EB8-46E8-8CE5-2840DE4C4251}" type="datetimeFigureOut">
               <a:rPr lang="zh-CN" altLang="en-US" smtClean="0"/>
-              <a:t>2024/3/30</a:t>
+              <a:t>2024/10/16</a:t>
             </a:fld>
             <a:endParaRPr lang="zh-CN" altLang="en-US"/>
           </a:p>
@@ -1853,7 +1853,7 @@
           <a:p>
             <a:fld id="{34A95C42-1EB8-46E8-8CE5-2840DE4C4251}" type="datetimeFigureOut">
               <a:rPr lang="zh-CN" altLang="en-US" smtClean="0"/>
-              <a:t>2024/3/30</a:t>
+              <a:t>2024/10/16</a:t>
             </a:fld>
             <a:endParaRPr lang="zh-CN" altLang="en-US"/>
           </a:p>
@@ -2118,7 +2118,7 @@
           <a:p>
             <a:fld id="{34A95C42-1EB8-46E8-8CE5-2840DE4C4251}" type="datetimeFigureOut">
               <a:rPr lang="zh-CN" altLang="en-US" smtClean="0"/>
-              <a:t>2024/3/30</a:t>
+              <a:t>2024/10/16</a:t>
             </a:fld>
             <a:endParaRPr lang="zh-CN" altLang="en-US"/>
           </a:p>
@@ -2530,7 +2530,7 @@
           <a:p>
             <a:fld id="{34A95C42-1EB8-46E8-8CE5-2840DE4C4251}" type="datetimeFigureOut">
               <a:rPr lang="zh-CN" altLang="en-US" smtClean="0"/>
-              <a:t>2024/3/30</a:t>
+              <a:t>2024/10/16</a:t>
             </a:fld>
             <a:endParaRPr lang="zh-CN" altLang="en-US"/>
           </a:p>
@@ -2671,7 +2671,7 @@
           <a:p>
             <a:fld id="{34A95C42-1EB8-46E8-8CE5-2840DE4C4251}" type="datetimeFigureOut">
               <a:rPr lang="zh-CN" altLang="en-US" smtClean="0"/>
-              <a:t>2024/3/30</a:t>
+              <a:t>2024/10/16</a:t>
             </a:fld>
             <a:endParaRPr lang="zh-CN" altLang="en-US"/>
           </a:p>
@@ -2784,7 +2784,7 @@
           <a:p>
             <a:fld id="{34A95C42-1EB8-46E8-8CE5-2840DE4C4251}" type="datetimeFigureOut">
               <a:rPr lang="zh-CN" altLang="en-US" smtClean="0"/>
-              <a:t>2024/3/30</a:t>
+              <a:t>2024/10/16</a:t>
             </a:fld>
             <a:endParaRPr lang="zh-CN" altLang="en-US"/>
           </a:p>
@@ -3095,7 +3095,7 @@
           <a:p>
             <a:fld id="{34A95C42-1EB8-46E8-8CE5-2840DE4C4251}" type="datetimeFigureOut">
               <a:rPr lang="zh-CN" altLang="en-US" smtClean="0"/>
-              <a:t>2024/3/30</a:t>
+              <a:t>2024/10/16</a:t>
             </a:fld>
             <a:endParaRPr lang="zh-CN" altLang="en-US"/>
           </a:p>
@@ -3383,7 +3383,7 @@
           <a:p>
             <a:fld id="{34A95C42-1EB8-46E8-8CE5-2840DE4C4251}" type="datetimeFigureOut">
               <a:rPr lang="zh-CN" altLang="en-US" smtClean="0"/>
-              <a:t>2024/3/30</a:t>
+              <a:t>2024/10/16</a:t>
             </a:fld>
             <a:endParaRPr lang="zh-CN" altLang="en-US"/>
           </a:p>
@@ -3624,7 +3624,7 @@
           <a:p>
             <a:fld id="{34A95C42-1EB8-46E8-8CE5-2840DE4C4251}" type="datetimeFigureOut">
               <a:rPr lang="zh-CN" altLang="en-US" smtClean="0"/>
-              <a:t>2024/3/30</a:t>
+              <a:t>2024/10/16</a:t>
             </a:fld>
             <a:endParaRPr lang="zh-CN" altLang="en-US"/>
           </a:p>
@@ -5777,1301 +5777,6 @@
       </p:grpSpPr>
       <p:sp>
         <p:nvSpPr>
-          <p:cNvPr id="25" name="矩形 24">
-            <a:extLst>
-              <a:ext uri="{FF2B5EF4-FFF2-40B4-BE49-F238E27FC236}">
-                <a16:creationId xmlns:a16="http://schemas.microsoft.com/office/drawing/2014/main" id="{A3FFE565-C0A1-1F96-8174-10A67845C838}"/>
-              </a:ext>
-            </a:extLst>
-          </p:cNvPr>
-          <p:cNvSpPr/>
-          <p:nvPr/>
-        </p:nvSpPr>
-        <p:spPr>
-          <a:xfrm>
-            <a:off x="1055440" y="3336106"/>
-            <a:ext cx="1620180" cy="706715"/>
-          </a:xfrm>
-          <a:prstGeom prst="rect">
-            <a:avLst/>
-          </a:prstGeom>
-          <a:solidFill>
-            <a:schemeClr val="bg1"/>
-          </a:solidFill>
-        </p:spPr>
-        <p:style>
-          <a:lnRef idx="2">
-            <a:schemeClr val="accent1">
-              <a:shade val="15000"/>
-            </a:schemeClr>
-          </a:lnRef>
-          <a:fillRef idx="1">
-            <a:schemeClr val="accent1"/>
-          </a:fillRef>
-          <a:effectRef idx="0">
-            <a:schemeClr val="accent1"/>
-          </a:effectRef>
-          <a:fontRef idx="minor">
-            <a:schemeClr val="lt1"/>
-          </a:fontRef>
-        </p:style>
-        <p:txBody>
-          <a:bodyPr rtlCol="0" anchor="ctr"/>
-          <a:lstStyle/>
-          <a:p>
-            <a:pPr algn="ctr"/>
-            <a:r>
-              <a:rPr lang="zh-CN" altLang="en-US" sz="1600">
-                <a:solidFill>
-                  <a:schemeClr val="tx1"/>
-                </a:solidFill>
-              </a:rPr>
-              <a:t>结构定义</a:t>
-            </a:r>
-            <a:endParaRPr lang="en-US" altLang="zh-CN" sz="1600">
-              <a:solidFill>
-                <a:schemeClr val="tx1"/>
-              </a:solidFill>
-            </a:endParaRPr>
-          </a:p>
-          <a:p>
-            <a:pPr algn="ctr"/>
-            <a:r>
-              <a:rPr lang="en-US" altLang="zh-CN" sz="1600">
-                <a:solidFill>
-                  <a:schemeClr val="tx1"/>
-                </a:solidFill>
-              </a:rPr>
-              <a:t>struct</a:t>
-            </a:r>
-          </a:p>
-        </p:txBody>
-      </p:sp>
-      <p:sp>
-        <p:nvSpPr>
-          <p:cNvPr id="2" name="矩形 1">
-            <a:extLst>
-              <a:ext uri="{FF2B5EF4-FFF2-40B4-BE49-F238E27FC236}">
-                <a16:creationId xmlns:a16="http://schemas.microsoft.com/office/drawing/2014/main" id="{B26B573E-A783-A167-ED89-728E7D036F7D}"/>
-              </a:ext>
-            </a:extLst>
-          </p:cNvPr>
-          <p:cNvSpPr/>
-          <p:nvPr/>
-        </p:nvSpPr>
-        <p:spPr>
-          <a:xfrm>
-            <a:off x="1055440" y="2629391"/>
-            <a:ext cx="1620180" cy="706715"/>
-          </a:xfrm>
-          <a:prstGeom prst="rect">
-            <a:avLst/>
-          </a:prstGeom>
-          <a:solidFill>
-            <a:schemeClr val="bg1"/>
-          </a:solidFill>
-        </p:spPr>
-        <p:style>
-          <a:lnRef idx="2">
-            <a:schemeClr val="accent1">
-              <a:shade val="15000"/>
-            </a:schemeClr>
-          </a:lnRef>
-          <a:fillRef idx="1">
-            <a:schemeClr val="accent1"/>
-          </a:fillRef>
-          <a:effectRef idx="0">
-            <a:schemeClr val="accent1"/>
-          </a:effectRef>
-          <a:fontRef idx="minor">
-            <a:schemeClr val="lt1"/>
-          </a:fontRef>
-        </p:style>
-        <p:txBody>
-          <a:bodyPr rtlCol="0" anchor="ctr"/>
-          <a:lstStyle/>
-          <a:p>
-            <a:pPr algn="ctr"/>
-            <a:r>
-              <a:rPr lang="zh-CN" altLang="en-US" sz="1600">
-                <a:solidFill>
-                  <a:schemeClr val="tx1"/>
-                </a:solidFill>
-              </a:rPr>
-              <a:t>关联方法</a:t>
-            </a:r>
-            <a:endParaRPr lang="en-US" altLang="zh-CN" sz="1600">
-              <a:solidFill>
-                <a:schemeClr val="tx1"/>
-              </a:solidFill>
-            </a:endParaRPr>
-          </a:p>
-          <a:p>
-            <a:pPr algn="ctr"/>
-            <a:r>
-              <a:rPr lang="en-US" altLang="zh-CN" sz="1600">
-                <a:solidFill>
-                  <a:schemeClr val="tx1"/>
-                </a:solidFill>
-              </a:rPr>
-              <a:t>new/get/set</a:t>
-            </a:r>
-          </a:p>
-        </p:txBody>
-      </p:sp>
-      <p:sp>
-        <p:nvSpPr>
-          <p:cNvPr id="10" name="矩形 9">
-            <a:extLst>
-              <a:ext uri="{FF2B5EF4-FFF2-40B4-BE49-F238E27FC236}">
-                <a16:creationId xmlns:a16="http://schemas.microsoft.com/office/drawing/2014/main" id="{F118FA90-C6F5-E0BE-9BDA-CB0F981E15E8}"/>
-              </a:ext>
-            </a:extLst>
-          </p:cNvPr>
-          <p:cNvSpPr/>
-          <p:nvPr/>
-        </p:nvSpPr>
-        <p:spPr>
-          <a:xfrm>
-            <a:off x="1048265" y="1922676"/>
-            <a:ext cx="1620180" cy="706715"/>
-          </a:xfrm>
-          <a:prstGeom prst="rect">
-            <a:avLst/>
-          </a:prstGeom>
-          <a:solidFill>
-            <a:schemeClr val="bg1"/>
-          </a:solidFill>
-          <a:ln>
-            <a:prstDash val="dash"/>
-          </a:ln>
-        </p:spPr>
-        <p:style>
-          <a:lnRef idx="2">
-            <a:schemeClr val="accent1">
-              <a:shade val="15000"/>
-            </a:schemeClr>
-          </a:lnRef>
-          <a:fillRef idx="1">
-            <a:schemeClr val="accent1"/>
-          </a:fillRef>
-          <a:effectRef idx="0">
-            <a:schemeClr val="accent1"/>
-          </a:effectRef>
-          <a:fontRef idx="minor">
-            <a:schemeClr val="lt1"/>
-          </a:fontRef>
-        </p:style>
-        <p:txBody>
-          <a:bodyPr rtlCol="0" anchor="ctr"/>
-          <a:lstStyle/>
-          <a:p>
-            <a:pPr algn="ctr"/>
-            <a:r>
-              <a:rPr lang="zh-CN" altLang="en-US" sz="1600" b="1">
-                <a:solidFill>
-                  <a:schemeClr val="tx1"/>
-                </a:solidFill>
-              </a:rPr>
-              <a:t>新增关联方法</a:t>
-            </a:r>
-            <a:endParaRPr lang="en-US" altLang="zh-CN" sz="1600" b="1">
-              <a:solidFill>
-                <a:schemeClr val="tx1"/>
-              </a:solidFill>
-            </a:endParaRPr>
-          </a:p>
-          <a:p>
-            <a:pPr algn="ctr"/>
-            <a:r>
-              <a:rPr lang="en-US" altLang="zh-CN" sz="1600" b="1">
-                <a:solidFill>
-                  <a:schemeClr val="tx1"/>
-                </a:solidFill>
-              </a:rPr>
-              <a:t>(</a:t>
-            </a:r>
-            <a:r>
-              <a:rPr lang="zh-CN" altLang="en-US" sz="1600" b="1">
-                <a:solidFill>
-                  <a:schemeClr val="tx1"/>
-                </a:solidFill>
-              </a:rPr>
-              <a:t>涉及</a:t>
-            </a:r>
-            <a:r>
-              <a:rPr lang="en-US" altLang="zh-CN" sz="1600" b="1">
-                <a:solidFill>
-                  <a:schemeClr val="tx1"/>
-                </a:solidFill>
-              </a:rPr>
-              <a:t>A)</a:t>
-            </a:r>
-          </a:p>
-        </p:txBody>
-      </p:sp>
-      <p:sp>
-        <p:nvSpPr>
-          <p:cNvPr id="11" name="文本框 10">
-            <a:extLst>
-              <a:ext uri="{FF2B5EF4-FFF2-40B4-BE49-F238E27FC236}">
-                <a16:creationId xmlns:a16="http://schemas.microsoft.com/office/drawing/2014/main" id="{ED3AB616-7BC4-24DE-3F7A-9DCF796E8400}"/>
-              </a:ext>
-            </a:extLst>
-          </p:cNvPr>
-          <p:cNvSpPr txBox="1"/>
-          <p:nvPr/>
-        </p:nvSpPr>
-        <p:spPr>
-          <a:xfrm>
-            <a:off x="1307468" y="4156914"/>
-            <a:ext cx="1080120" cy="369332"/>
-          </a:xfrm>
-          <a:prstGeom prst="rect">
-            <a:avLst/>
-          </a:prstGeom>
-          <a:noFill/>
-        </p:spPr>
-        <p:txBody>
-          <a:bodyPr wrap="square" rtlCol="0">
-            <a:spAutoFit/>
-          </a:bodyPr>
-          <a:lstStyle/>
-          <a:p>
-            <a:pPr algn="ctr"/>
-            <a:r>
-              <a:rPr lang="zh-CN" altLang="en-US" b="1"/>
-              <a:t>组件</a:t>
-            </a:r>
-            <a:r>
-              <a:rPr lang="en-US" altLang="zh-CN" b="1"/>
-              <a:t>B</a:t>
-            </a:r>
-            <a:endParaRPr lang="zh-CN" altLang="en-US" b="1"/>
-          </a:p>
-        </p:txBody>
-      </p:sp>
-      <p:sp>
-        <p:nvSpPr>
-          <p:cNvPr id="12" name="矩形 11">
-            <a:extLst>
-              <a:ext uri="{FF2B5EF4-FFF2-40B4-BE49-F238E27FC236}">
-                <a16:creationId xmlns:a16="http://schemas.microsoft.com/office/drawing/2014/main" id="{93DC1831-247C-5A12-7501-EA381AF1F747}"/>
-              </a:ext>
-            </a:extLst>
-          </p:cNvPr>
-          <p:cNvSpPr/>
-          <p:nvPr/>
-        </p:nvSpPr>
-        <p:spPr>
-          <a:xfrm>
-            <a:off x="3755740" y="3352310"/>
-            <a:ext cx="1620180" cy="706715"/>
-          </a:xfrm>
-          <a:prstGeom prst="rect">
-            <a:avLst/>
-          </a:prstGeom>
-          <a:solidFill>
-            <a:schemeClr val="bg1"/>
-          </a:solidFill>
-        </p:spPr>
-        <p:style>
-          <a:lnRef idx="2">
-            <a:schemeClr val="accent1">
-              <a:shade val="15000"/>
-            </a:schemeClr>
-          </a:lnRef>
-          <a:fillRef idx="1">
-            <a:schemeClr val="accent1"/>
-          </a:fillRef>
-          <a:effectRef idx="0">
-            <a:schemeClr val="accent1"/>
-          </a:effectRef>
-          <a:fontRef idx="minor">
-            <a:schemeClr val="lt1"/>
-          </a:fontRef>
-        </p:style>
-        <p:txBody>
-          <a:bodyPr rtlCol="0" anchor="ctr"/>
-          <a:lstStyle/>
-          <a:p>
-            <a:pPr algn="ctr"/>
-            <a:r>
-              <a:rPr lang="zh-CN" altLang="en-US" sz="1600">
-                <a:solidFill>
-                  <a:schemeClr val="tx1"/>
-                </a:solidFill>
-              </a:rPr>
-              <a:t>结构定义</a:t>
-            </a:r>
-            <a:endParaRPr lang="en-US" altLang="zh-CN" sz="1600">
-              <a:solidFill>
-                <a:schemeClr val="tx1"/>
-              </a:solidFill>
-            </a:endParaRPr>
-          </a:p>
-          <a:p>
-            <a:pPr algn="ctr"/>
-            <a:r>
-              <a:rPr lang="en-US" altLang="zh-CN" sz="1600">
-                <a:solidFill>
-                  <a:schemeClr val="tx1"/>
-                </a:solidFill>
-              </a:rPr>
-              <a:t>struct</a:t>
-            </a:r>
-          </a:p>
-        </p:txBody>
-      </p:sp>
-      <p:sp>
-        <p:nvSpPr>
-          <p:cNvPr id="13" name="矩形 12">
-            <a:extLst>
-              <a:ext uri="{FF2B5EF4-FFF2-40B4-BE49-F238E27FC236}">
-                <a16:creationId xmlns:a16="http://schemas.microsoft.com/office/drawing/2014/main" id="{C66C5869-6B0D-FA45-95B0-0EF6F963DE02}"/>
-              </a:ext>
-            </a:extLst>
-          </p:cNvPr>
-          <p:cNvSpPr/>
-          <p:nvPr/>
-        </p:nvSpPr>
-        <p:spPr>
-          <a:xfrm>
-            <a:off x="3755740" y="2645595"/>
-            <a:ext cx="1620180" cy="706715"/>
-          </a:xfrm>
-          <a:prstGeom prst="rect">
-            <a:avLst/>
-          </a:prstGeom>
-          <a:solidFill>
-            <a:schemeClr val="bg1"/>
-          </a:solidFill>
-        </p:spPr>
-        <p:style>
-          <a:lnRef idx="2">
-            <a:schemeClr val="accent1">
-              <a:shade val="15000"/>
-            </a:schemeClr>
-          </a:lnRef>
-          <a:fillRef idx="1">
-            <a:schemeClr val="accent1"/>
-          </a:fillRef>
-          <a:effectRef idx="0">
-            <a:schemeClr val="accent1"/>
-          </a:effectRef>
-          <a:fontRef idx="minor">
-            <a:schemeClr val="lt1"/>
-          </a:fontRef>
-        </p:style>
-        <p:txBody>
-          <a:bodyPr rtlCol="0" anchor="ctr"/>
-          <a:lstStyle/>
-          <a:p>
-            <a:pPr algn="ctr"/>
-            <a:r>
-              <a:rPr lang="zh-CN" altLang="en-US" sz="1600">
-                <a:solidFill>
-                  <a:schemeClr val="tx1"/>
-                </a:solidFill>
-              </a:rPr>
-              <a:t>关联方法</a:t>
-            </a:r>
-            <a:endParaRPr lang="en-US" altLang="zh-CN" sz="1600">
-              <a:solidFill>
-                <a:schemeClr val="tx1"/>
-              </a:solidFill>
-            </a:endParaRPr>
-          </a:p>
-          <a:p>
-            <a:pPr algn="ctr"/>
-            <a:r>
-              <a:rPr lang="en-US" altLang="zh-CN" sz="1600">
-                <a:solidFill>
-                  <a:schemeClr val="tx1"/>
-                </a:solidFill>
-              </a:rPr>
-              <a:t>new/get/set</a:t>
-            </a:r>
-          </a:p>
-        </p:txBody>
-      </p:sp>
-      <p:sp>
-        <p:nvSpPr>
-          <p:cNvPr id="22" name="文本框 21">
-            <a:extLst>
-              <a:ext uri="{FF2B5EF4-FFF2-40B4-BE49-F238E27FC236}">
-                <a16:creationId xmlns:a16="http://schemas.microsoft.com/office/drawing/2014/main" id="{4A95845B-14C3-764A-6295-174EB3D64F64}"/>
-              </a:ext>
-            </a:extLst>
-          </p:cNvPr>
-          <p:cNvSpPr txBox="1"/>
-          <p:nvPr/>
-        </p:nvSpPr>
-        <p:spPr>
-          <a:xfrm>
-            <a:off x="4007768" y="4173118"/>
-            <a:ext cx="1080120" cy="369332"/>
-          </a:xfrm>
-          <a:prstGeom prst="rect">
-            <a:avLst/>
-          </a:prstGeom>
-          <a:noFill/>
-        </p:spPr>
-        <p:txBody>
-          <a:bodyPr wrap="square" rtlCol="0">
-            <a:spAutoFit/>
-          </a:bodyPr>
-          <a:lstStyle/>
-          <a:p>
-            <a:pPr algn="ctr"/>
-            <a:r>
-              <a:rPr lang="zh-CN" altLang="en-US" b="1"/>
-              <a:t>组件</a:t>
-            </a:r>
-            <a:r>
-              <a:rPr lang="en-US" altLang="zh-CN" b="1"/>
-              <a:t>A</a:t>
-            </a:r>
-            <a:endParaRPr lang="zh-CN" altLang="en-US" b="1"/>
-          </a:p>
-        </p:txBody>
-      </p:sp>
-      <p:cxnSp>
-        <p:nvCxnSpPr>
-          <p:cNvPr id="31" name="直接连接符 30">
-            <a:extLst>
-              <a:ext uri="{FF2B5EF4-FFF2-40B4-BE49-F238E27FC236}">
-                <a16:creationId xmlns:a16="http://schemas.microsoft.com/office/drawing/2014/main" id="{93FE6AB7-5B4F-F052-04B3-FE859E5D0C56}"/>
-              </a:ext>
-            </a:extLst>
-          </p:cNvPr>
-          <p:cNvCxnSpPr/>
-          <p:nvPr/>
-        </p:nvCxnSpPr>
-        <p:spPr>
-          <a:xfrm>
-            <a:off x="6132513" y="1016732"/>
-            <a:ext cx="0" cy="5400600"/>
-          </a:xfrm>
-          <a:prstGeom prst="line">
-            <a:avLst/>
-          </a:prstGeom>
-          <a:ln w="19050">
-            <a:solidFill>
-              <a:schemeClr val="tx1"/>
-            </a:solidFill>
-            <a:prstDash val="dash"/>
-          </a:ln>
-        </p:spPr>
-        <p:style>
-          <a:lnRef idx="1">
-            <a:schemeClr val="accent1"/>
-          </a:lnRef>
-          <a:fillRef idx="0">
-            <a:schemeClr val="accent1"/>
-          </a:fillRef>
-          <a:effectRef idx="0">
-            <a:schemeClr val="accent1"/>
-          </a:effectRef>
-          <a:fontRef idx="minor">
-            <a:schemeClr val="tx1"/>
-          </a:fontRef>
-        </p:style>
-      </p:cxnSp>
-      <p:cxnSp>
-        <p:nvCxnSpPr>
-          <p:cNvPr id="37" name="直接箭头连接符 36">
-            <a:extLst>
-              <a:ext uri="{FF2B5EF4-FFF2-40B4-BE49-F238E27FC236}">
-                <a16:creationId xmlns:a16="http://schemas.microsoft.com/office/drawing/2014/main" id="{9DE814A5-4DF6-6AD8-57D8-7BCE52CBF5B9}"/>
-              </a:ext>
-            </a:extLst>
-          </p:cNvPr>
-          <p:cNvCxnSpPr>
-            <a:cxnSpLocks/>
-          </p:cNvCxnSpPr>
-          <p:nvPr/>
-        </p:nvCxnSpPr>
-        <p:spPr>
-          <a:xfrm flipH="1">
-            <a:off x="2675620" y="3791879"/>
-            <a:ext cx="1332148" cy="5597"/>
-          </a:xfrm>
-          <a:prstGeom prst="straightConnector1">
-            <a:avLst/>
-          </a:prstGeom>
-          <a:ln w="38100">
-            <a:solidFill>
-              <a:schemeClr val="tx1"/>
-            </a:solidFill>
-            <a:tailEnd type="triangle"/>
-          </a:ln>
-        </p:spPr>
-        <p:style>
-          <a:lnRef idx="1">
-            <a:schemeClr val="accent1"/>
-          </a:lnRef>
-          <a:fillRef idx="0">
-            <a:schemeClr val="accent1"/>
-          </a:fillRef>
-          <a:effectRef idx="0">
-            <a:schemeClr val="accent1"/>
-          </a:effectRef>
-          <a:fontRef idx="minor">
-            <a:schemeClr val="tx1"/>
-          </a:fontRef>
-        </p:style>
-      </p:cxnSp>
-      <p:sp>
-        <p:nvSpPr>
-          <p:cNvPr id="43" name="文本框 42">
-            <a:extLst>
-              <a:ext uri="{FF2B5EF4-FFF2-40B4-BE49-F238E27FC236}">
-                <a16:creationId xmlns:a16="http://schemas.microsoft.com/office/drawing/2014/main" id="{CC1F5219-695E-4DA5-49F0-8748F3B184D5}"/>
-              </a:ext>
-            </a:extLst>
-          </p:cNvPr>
-          <p:cNvSpPr txBox="1"/>
-          <p:nvPr/>
-        </p:nvSpPr>
-        <p:spPr>
-          <a:xfrm>
-            <a:off x="2970703" y="3431839"/>
-            <a:ext cx="641021" cy="369332"/>
-          </a:xfrm>
-          <a:prstGeom prst="rect">
-            <a:avLst/>
-          </a:prstGeom>
-          <a:noFill/>
-        </p:spPr>
-        <p:txBody>
-          <a:bodyPr wrap="square" rtlCol="0">
-            <a:spAutoFit/>
-          </a:bodyPr>
-          <a:lstStyle/>
-          <a:p>
-            <a:r>
-              <a:rPr lang="zh-CN" altLang="en-US"/>
-              <a:t>成员</a:t>
-            </a:r>
-          </a:p>
-        </p:txBody>
-      </p:sp>
-      <p:cxnSp>
-        <p:nvCxnSpPr>
-          <p:cNvPr id="46" name="直接箭头连接符 45">
-            <a:extLst>
-              <a:ext uri="{FF2B5EF4-FFF2-40B4-BE49-F238E27FC236}">
-                <a16:creationId xmlns:a16="http://schemas.microsoft.com/office/drawing/2014/main" id="{B8442F23-383E-7514-D6AC-D05B8FF29E14}"/>
-              </a:ext>
-            </a:extLst>
-          </p:cNvPr>
-          <p:cNvCxnSpPr>
-            <a:cxnSpLocks/>
-            <a:stCxn id="10" idx="3"/>
-          </p:cNvCxnSpPr>
-          <p:nvPr/>
-        </p:nvCxnSpPr>
-        <p:spPr>
-          <a:xfrm>
-            <a:off x="2668445" y="2276034"/>
-            <a:ext cx="1087295" cy="1060072"/>
-          </a:xfrm>
-          <a:prstGeom prst="straightConnector1">
-            <a:avLst/>
-          </a:prstGeom>
-          <a:ln>
-            <a:solidFill>
-              <a:schemeClr val="tx1"/>
-            </a:solidFill>
-            <a:tailEnd type="triangle"/>
-          </a:ln>
-        </p:spPr>
-        <p:style>
-          <a:lnRef idx="1">
-            <a:schemeClr val="accent1"/>
-          </a:lnRef>
-          <a:fillRef idx="0">
-            <a:schemeClr val="accent1"/>
-          </a:fillRef>
-          <a:effectRef idx="0">
-            <a:schemeClr val="accent1"/>
-          </a:effectRef>
-          <a:fontRef idx="minor">
-            <a:schemeClr val="tx1"/>
-          </a:fontRef>
-        </p:style>
-      </p:cxnSp>
-      <p:sp>
-        <p:nvSpPr>
-          <p:cNvPr id="49" name="矩形 48">
-            <a:extLst>
-              <a:ext uri="{FF2B5EF4-FFF2-40B4-BE49-F238E27FC236}">
-                <a16:creationId xmlns:a16="http://schemas.microsoft.com/office/drawing/2014/main" id="{FD751B69-0465-93A3-5898-98A0640BBF72}"/>
-              </a:ext>
-            </a:extLst>
-          </p:cNvPr>
-          <p:cNvSpPr/>
-          <p:nvPr/>
-        </p:nvSpPr>
-        <p:spPr>
-          <a:xfrm>
-            <a:off x="6828319" y="3350552"/>
-            <a:ext cx="1620180" cy="706715"/>
-          </a:xfrm>
-          <a:prstGeom prst="rect">
-            <a:avLst/>
-          </a:prstGeom>
-          <a:solidFill>
-            <a:schemeClr val="bg1"/>
-          </a:solidFill>
-        </p:spPr>
-        <p:style>
-          <a:lnRef idx="2">
-            <a:schemeClr val="accent1">
-              <a:shade val="15000"/>
-            </a:schemeClr>
-          </a:lnRef>
-          <a:fillRef idx="1">
-            <a:schemeClr val="accent1"/>
-          </a:fillRef>
-          <a:effectRef idx="0">
-            <a:schemeClr val="accent1"/>
-          </a:effectRef>
-          <a:fontRef idx="minor">
-            <a:schemeClr val="lt1"/>
-          </a:fontRef>
-        </p:style>
-        <p:txBody>
-          <a:bodyPr rtlCol="0" anchor="ctr"/>
-          <a:lstStyle/>
-          <a:p>
-            <a:pPr algn="ctr"/>
-            <a:r>
-              <a:rPr lang="zh-CN" altLang="en-US" sz="1600">
-                <a:solidFill>
-                  <a:schemeClr val="tx1"/>
-                </a:solidFill>
-              </a:rPr>
-              <a:t>结构定义</a:t>
-            </a:r>
-            <a:endParaRPr lang="en-US" altLang="zh-CN" sz="1600">
-              <a:solidFill>
-                <a:schemeClr val="tx1"/>
-              </a:solidFill>
-            </a:endParaRPr>
-          </a:p>
-          <a:p>
-            <a:pPr algn="ctr"/>
-            <a:r>
-              <a:rPr lang="en-US" altLang="zh-CN" sz="1600">
-                <a:solidFill>
-                  <a:schemeClr val="tx1"/>
-                </a:solidFill>
-              </a:rPr>
-              <a:t>struct</a:t>
-            </a:r>
-          </a:p>
-        </p:txBody>
-      </p:sp>
-      <p:sp>
-        <p:nvSpPr>
-          <p:cNvPr id="50" name="矩形 49">
-            <a:extLst>
-              <a:ext uri="{FF2B5EF4-FFF2-40B4-BE49-F238E27FC236}">
-                <a16:creationId xmlns:a16="http://schemas.microsoft.com/office/drawing/2014/main" id="{2936F2C6-C3FA-E92F-D446-120AA459D0A2}"/>
-              </a:ext>
-            </a:extLst>
-          </p:cNvPr>
-          <p:cNvSpPr/>
-          <p:nvPr/>
-        </p:nvSpPr>
-        <p:spPr>
-          <a:xfrm>
-            <a:off x="6828319" y="2643837"/>
-            <a:ext cx="1620180" cy="706715"/>
-          </a:xfrm>
-          <a:prstGeom prst="rect">
-            <a:avLst/>
-          </a:prstGeom>
-          <a:solidFill>
-            <a:schemeClr val="bg1"/>
-          </a:solidFill>
-        </p:spPr>
-        <p:style>
-          <a:lnRef idx="2">
-            <a:schemeClr val="accent1">
-              <a:shade val="15000"/>
-            </a:schemeClr>
-          </a:lnRef>
-          <a:fillRef idx="1">
-            <a:schemeClr val="accent1"/>
-          </a:fillRef>
-          <a:effectRef idx="0">
-            <a:schemeClr val="accent1"/>
-          </a:effectRef>
-          <a:fontRef idx="minor">
-            <a:schemeClr val="lt1"/>
-          </a:fontRef>
-        </p:style>
-        <p:txBody>
-          <a:bodyPr rtlCol="0" anchor="ctr"/>
-          <a:lstStyle/>
-          <a:p>
-            <a:pPr algn="ctr"/>
-            <a:r>
-              <a:rPr lang="zh-CN" altLang="en-US" sz="1600">
-                <a:solidFill>
-                  <a:schemeClr val="tx1"/>
-                </a:solidFill>
-              </a:rPr>
-              <a:t>关联方法</a:t>
-            </a:r>
-            <a:endParaRPr lang="en-US" altLang="zh-CN" sz="1600">
-              <a:solidFill>
-                <a:schemeClr val="tx1"/>
-              </a:solidFill>
-            </a:endParaRPr>
-          </a:p>
-          <a:p>
-            <a:pPr algn="ctr"/>
-            <a:r>
-              <a:rPr lang="en-US" altLang="zh-CN" sz="1600">
-                <a:solidFill>
-                  <a:schemeClr val="tx1"/>
-                </a:solidFill>
-              </a:rPr>
-              <a:t>new/get/set</a:t>
-            </a:r>
-          </a:p>
-        </p:txBody>
-      </p:sp>
-      <p:sp>
-        <p:nvSpPr>
-          <p:cNvPr id="51" name="矩形 50">
-            <a:extLst>
-              <a:ext uri="{FF2B5EF4-FFF2-40B4-BE49-F238E27FC236}">
-                <a16:creationId xmlns:a16="http://schemas.microsoft.com/office/drawing/2014/main" id="{76839E82-EFD5-B552-9467-993017C7ED1F}"/>
-              </a:ext>
-            </a:extLst>
-          </p:cNvPr>
-          <p:cNvSpPr/>
-          <p:nvPr/>
-        </p:nvSpPr>
-        <p:spPr>
-          <a:xfrm>
-            <a:off x="6821144" y="1160748"/>
-            <a:ext cx="1620180" cy="706715"/>
-          </a:xfrm>
-          <a:prstGeom prst="rect">
-            <a:avLst/>
-          </a:prstGeom>
-          <a:solidFill>
-            <a:schemeClr val="bg1"/>
-          </a:solidFill>
-          <a:ln>
-            <a:prstDash val="solid"/>
-          </a:ln>
-        </p:spPr>
-        <p:style>
-          <a:lnRef idx="2">
-            <a:schemeClr val="accent1">
-              <a:shade val="15000"/>
-            </a:schemeClr>
-          </a:lnRef>
-          <a:fillRef idx="1">
-            <a:schemeClr val="accent1"/>
-          </a:fillRef>
-          <a:effectRef idx="0">
-            <a:schemeClr val="accent1"/>
-          </a:effectRef>
-          <a:fontRef idx="minor">
-            <a:schemeClr val="lt1"/>
-          </a:fontRef>
-        </p:style>
-        <p:txBody>
-          <a:bodyPr rtlCol="0" anchor="ctr"/>
-          <a:lstStyle/>
-          <a:p>
-            <a:pPr algn="ctr"/>
-            <a:r>
-              <a:rPr lang="zh-CN" altLang="en-US" sz="1600" b="1">
-                <a:solidFill>
-                  <a:schemeClr val="tx1"/>
-                </a:solidFill>
-              </a:rPr>
-              <a:t>新增关联方法</a:t>
-            </a:r>
-            <a:endParaRPr lang="en-US" altLang="zh-CN" sz="1600" b="1">
-              <a:solidFill>
-                <a:schemeClr val="tx1"/>
-              </a:solidFill>
-            </a:endParaRPr>
-          </a:p>
-          <a:p>
-            <a:pPr algn="ctr"/>
-            <a:r>
-              <a:rPr lang="en-US" altLang="zh-CN" sz="1600" b="1">
-                <a:solidFill>
-                  <a:schemeClr val="tx1"/>
-                </a:solidFill>
-              </a:rPr>
-              <a:t>(</a:t>
-            </a:r>
-            <a:r>
-              <a:rPr lang="zh-CN" altLang="en-US" sz="1600" b="1">
-                <a:solidFill>
-                  <a:schemeClr val="tx1"/>
-                </a:solidFill>
-              </a:rPr>
-              <a:t>涉及</a:t>
-            </a:r>
-            <a:r>
-              <a:rPr lang="en-US" altLang="zh-CN" sz="1600" b="1">
-                <a:solidFill>
-                  <a:schemeClr val="tx1"/>
-                </a:solidFill>
-              </a:rPr>
-              <a:t>A)</a:t>
-            </a:r>
-          </a:p>
-        </p:txBody>
-      </p:sp>
-      <p:sp>
-        <p:nvSpPr>
-          <p:cNvPr id="52" name="文本框 51">
-            <a:extLst>
-              <a:ext uri="{FF2B5EF4-FFF2-40B4-BE49-F238E27FC236}">
-                <a16:creationId xmlns:a16="http://schemas.microsoft.com/office/drawing/2014/main" id="{1122838E-9370-A39A-54F3-98271131FC31}"/>
-              </a:ext>
-            </a:extLst>
-          </p:cNvPr>
-          <p:cNvSpPr txBox="1"/>
-          <p:nvPr/>
-        </p:nvSpPr>
-        <p:spPr>
-          <a:xfrm>
-            <a:off x="7080347" y="4171360"/>
-            <a:ext cx="1080120" cy="369332"/>
-          </a:xfrm>
-          <a:prstGeom prst="rect">
-            <a:avLst/>
-          </a:prstGeom>
-          <a:noFill/>
-        </p:spPr>
-        <p:txBody>
-          <a:bodyPr wrap="square" rtlCol="0">
-            <a:spAutoFit/>
-          </a:bodyPr>
-          <a:lstStyle/>
-          <a:p>
-            <a:pPr algn="ctr"/>
-            <a:r>
-              <a:rPr lang="zh-CN" altLang="en-US" b="1"/>
-              <a:t>组件</a:t>
-            </a:r>
-            <a:r>
-              <a:rPr lang="en-US" altLang="zh-CN" b="1"/>
-              <a:t>B</a:t>
-            </a:r>
-            <a:endParaRPr lang="zh-CN" altLang="en-US" b="1"/>
-          </a:p>
-        </p:txBody>
-      </p:sp>
-      <p:sp>
-        <p:nvSpPr>
-          <p:cNvPr id="53" name="矩形 52">
-            <a:extLst>
-              <a:ext uri="{FF2B5EF4-FFF2-40B4-BE49-F238E27FC236}">
-                <a16:creationId xmlns:a16="http://schemas.microsoft.com/office/drawing/2014/main" id="{5FD897BF-AE29-D34A-4B29-51BFD9149B2D}"/>
-              </a:ext>
-            </a:extLst>
-          </p:cNvPr>
-          <p:cNvSpPr/>
-          <p:nvPr/>
-        </p:nvSpPr>
-        <p:spPr>
-          <a:xfrm>
-            <a:off x="9528619" y="3366756"/>
-            <a:ext cx="1620180" cy="706715"/>
-          </a:xfrm>
-          <a:prstGeom prst="rect">
-            <a:avLst/>
-          </a:prstGeom>
-          <a:solidFill>
-            <a:schemeClr val="bg1"/>
-          </a:solidFill>
-        </p:spPr>
-        <p:style>
-          <a:lnRef idx="2">
-            <a:schemeClr val="accent1">
-              <a:shade val="15000"/>
-            </a:schemeClr>
-          </a:lnRef>
-          <a:fillRef idx="1">
-            <a:schemeClr val="accent1"/>
-          </a:fillRef>
-          <a:effectRef idx="0">
-            <a:schemeClr val="accent1"/>
-          </a:effectRef>
-          <a:fontRef idx="minor">
-            <a:schemeClr val="lt1"/>
-          </a:fontRef>
-        </p:style>
-        <p:txBody>
-          <a:bodyPr rtlCol="0" anchor="ctr"/>
-          <a:lstStyle/>
-          <a:p>
-            <a:pPr algn="ctr"/>
-            <a:r>
-              <a:rPr lang="zh-CN" altLang="en-US" sz="1600">
-                <a:solidFill>
-                  <a:schemeClr val="tx1"/>
-                </a:solidFill>
-              </a:rPr>
-              <a:t>结构定义</a:t>
-            </a:r>
-            <a:endParaRPr lang="en-US" altLang="zh-CN" sz="1600">
-              <a:solidFill>
-                <a:schemeClr val="tx1"/>
-              </a:solidFill>
-            </a:endParaRPr>
-          </a:p>
-          <a:p>
-            <a:pPr algn="ctr"/>
-            <a:r>
-              <a:rPr lang="en-US" altLang="zh-CN" sz="1600">
-                <a:solidFill>
-                  <a:schemeClr val="tx1"/>
-                </a:solidFill>
-              </a:rPr>
-              <a:t>struct</a:t>
-            </a:r>
-          </a:p>
-        </p:txBody>
-      </p:sp>
-      <p:sp>
-        <p:nvSpPr>
-          <p:cNvPr id="54" name="矩形 53">
-            <a:extLst>
-              <a:ext uri="{FF2B5EF4-FFF2-40B4-BE49-F238E27FC236}">
-                <a16:creationId xmlns:a16="http://schemas.microsoft.com/office/drawing/2014/main" id="{A68792C1-05E9-7A38-2A9E-CEC2F43AA3DF}"/>
-              </a:ext>
-            </a:extLst>
-          </p:cNvPr>
-          <p:cNvSpPr/>
-          <p:nvPr/>
-        </p:nvSpPr>
-        <p:spPr>
-          <a:xfrm>
-            <a:off x="9528619" y="2660041"/>
-            <a:ext cx="1620180" cy="706715"/>
-          </a:xfrm>
-          <a:prstGeom prst="rect">
-            <a:avLst/>
-          </a:prstGeom>
-          <a:solidFill>
-            <a:schemeClr val="bg1"/>
-          </a:solidFill>
-        </p:spPr>
-        <p:style>
-          <a:lnRef idx="2">
-            <a:schemeClr val="accent1">
-              <a:shade val="15000"/>
-            </a:schemeClr>
-          </a:lnRef>
-          <a:fillRef idx="1">
-            <a:schemeClr val="accent1"/>
-          </a:fillRef>
-          <a:effectRef idx="0">
-            <a:schemeClr val="accent1"/>
-          </a:effectRef>
-          <a:fontRef idx="minor">
-            <a:schemeClr val="lt1"/>
-          </a:fontRef>
-        </p:style>
-        <p:txBody>
-          <a:bodyPr rtlCol="0" anchor="ctr"/>
-          <a:lstStyle/>
-          <a:p>
-            <a:pPr algn="ctr"/>
-            <a:r>
-              <a:rPr lang="zh-CN" altLang="en-US" sz="1600">
-                <a:solidFill>
-                  <a:schemeClr val="tx1"/>
-                </a:solidFill>
-              </a:rPr>
-              <a:t>关联方法</a:t>
-            </a:r>
-            <a:endParaRPr lang="en-US" altLang="zh-CN" sz="1600">
-              <a:solidFill>
-                <a:schemeClr val="tx1"/>
-              </a:solidFill>
-            </a:endParaRPr>
-          </a:p>
-          <a:p>
-            <a:pPr algn="ctr"/>
-            <a:r>
-              <a:rPr lang="en-US" altLang="zh-CN" sz="1600">
-                <a:solidFill>
-                  <a:schemeClr val="tx1"/>
-                </a:solidFill>
-              </a:rPr>
-              <a:t>new/get/set</a:t>
-            </a:r>
-          </a:p>
-        </p:txBody>
-      </p:sp>
-      <p:sp>
-        <p:nvSpPr>
-          <p:cNvPr id="56" name="文本框 55">
-            <a:extLst>
-              <a:ext uri="{FF2B5EF4-FFF2-40B4-BE49-F238E27FC236}">
-                <a16:creationId xmlns:a16="http://schemas.microsoft.com/office/drawing/2014/main" id="{776028B2-0137-272A-0CDB-10D0FA5B7F3D}"/>
-              </a:ext>
-            </a:extLst>
-          </p:cNvPr>
-          <p:cNvSpPr txBox="1"/>
-          <p:nvPr/>
-        </p:nvSpPr>
-        <p:spPr>
-          <a:xfrm>
-            <a:off x="9780647" y="4187564"/>
-            <a:ext cx="1080120" cy="369332"/>
-          </a:xfrm>
-          <a:prstGeom prst="rect">
-            <a:avLst/>
-          </a:prstGeom>
-          <a:noFill/>
-        </p:spPr>
-        <p:txBody>
-          <a:bodyPr wrap="square" rtlCol="0">
-            <a:spAutoFit/>
-          </a:bodyPr>
-          <a:lstStyle/>
-          <a:p>
-            <a:pPr algn="ctr"/>
-            <a:r>
-              <a:rPr lang="zh-CN" altLang="en-US" b="1"/>
-              <a:t>组件</a:t>
-            </a:r>
-            <a:r>
-              <a:rPr lang="en-US" altLang="zh-CN" b="1"/>
-              <a:t>A</a:t>
-            </a:r>
-            <a:endParaRPr lang="zh-CN" altLang="en-US" b="1"/>
-          </a:p>
-        </p:txBody>
-      </p:sp>
-      <p:cxnSp>
-        <p:nvCxnSpPr>
-          <p:cNvPr id="57" name="直接箭头连接符 56">
-            <a:extLst>
-              <a:ext uri="{FF2B5EF4-FFF2-40B4-BE49-F238E27FC236}">
-                <a16:creationId xmlns:a16="http://schemas.microsoft.com/office/drawing/2014/main" id="{72E34E0F-10D0-896B-B65E-DE117946F384}"/>
-              </a:ext>
-            </a:extLst>
-          </p:cNvPr>
-          <p:cNvCxnSpPr>
-            <a:cxnSpLocks/>
-          </p:cNvCxnSpPr>
-          <p:nvPr/>
-        </p:nvCxnSpPr>
-        <p:spPr>
-          <a:xfrm flipH="1">
-            <a:off x="8448499" y="3806325"/>
-            <a:ext cx="1332148" cy="5597"/>
-          </a:xfrm>
-          <a:prstGeom prst="straightConnector1">
-            <a:avLst/>
-          </a:prstGeom>
-          <a:ln w="38100">
-            <a:solidFill>
-              <a:schemeClr val="tx1"/>
-            </a:solidFill>
-            <a:tailEnd type="triangle"/>
-          </a:ln>
-        </p:spPr>
-        <p:style>
-          <a:lnRef idx="1">
-            <a:schemeClr val="accent1"/>
-          </a:lnRef>
-          <a:fillRef idx="0">
-            <a:schemeClr val="accent1"/>
-          </a:fillRef>
-          <a:effectRef idx="0">
-            <a:schemeClr val="accent1"/>
-          </a:effectRef>
-          <a:fontRef idx="minor">
-            <a:schemeClr val="tx1"/>
-          </a:fontRef>
-        </p:style>
-      </p:cxnSp>
-      <p:sp>
-        <p:nvSpPr>
-          <p:cNvPr id="58" name="文本框 57">
-            <a:extLst>
-              <a:ext uri="{FF2B5EF4-FFF2-40B4-BE49-F238E27FC236}">
-                <a16:creationId xmlns:a16="http://schemas.microsoft.com/office/drawing/2014/main" id="{ABCB126E-1A83-8C9A-849D-3E2FA69AB5B1}"/>
-              </a:ext>
-            </a:extLst>
-          </p:cNvPr>
-          <p:cNvSpPr txBox="1"/>
-          <p:nvPr/>
-        </p:nvSpPr>
-        <p:spPr>
-          <a:xfrm>
-            <a:off x="8743582" y="3446285"/>
-            <a:ext cx="641021" cy="369332"/>
-          </a:xfrm>
-          <a:prstGeom prst="rect">
-            <a:avLst/>
-          </a:prstGeom>
-          <a:noFill/>
-        </p:spPr>
-        <p:txBody>
-          <a:bodyPr wrap="square" rtlCol="0">
-            <a:spAutoFit/>
-          </a:bodyPr>
-          <a:lstStyle/>
-          <a:p>
-            <a:r>
-              <a:rPr lang="zh-CN" altLang="en-US"/>
-              <a:t>成员</a:t>
-            </a:r>
-          </a:p>
-        </p:txBody>
-      </p:sp>
-      <p:cxnSp>
-        <p:nvCxnSpPr>
-          <p:cNvPr id="60" name="直接箭头连接符 59">
-            <a:extLst>
-              <a:ext uri="{FF2B5EF4-FFF2-40B4-BE49-F238E27FC236}">
-                <a16:creationId xmlns:a16="http://schemas.microsoft.com/office/drawing/2014/main" id="{DC63212F-323B-25FC-2797-431C7AF44CAB}"/>
-              </a:ext>
-            </a:extLst>
-          </p:cNvPr>
-          <p:cNvCxnSpPr>
-            <a:cxnSpLocks/>
-            <a:stCxn id="51" idx="3"/>
-          </p:cNvCxnSpPr>
-          <p:nvPr/>
-        </p:nvCxnSpPr>
-        <p:spPr>
-          <a:xfrm>
-            <a:off x="8441324" y="1514106"/>
-            <a:ext cx="1087295" cy="1836446"/>
-          </a:xfrm>
-          <a:prstGeom prst="straightConnector1">
-            <a:avLst/>
-          </a:prstGeom>
-          <a:ln>
-            <a:solidFill>
-              <a:schemeClr val="tx1"/>
-            </a:solidFill>
-            <a:tailEnd type="triangle"/>
-          </a:ln>
-        </p:spPr>
-        <p:style>
-          <a:lnRef idx="1">
-            <a:schemeClr val="accent1"/>
-          </a:lnRef>
-          <a:fillRef idx="0">
-            <a:schemeClr val="accent1"/>
-          </a:fillRef>
-          <a:effectRef idx="0">
-            <a:schemeClr val="accent1"/>
-          </a:effectRef>
-          <a:fontRef idx="minor">
-            <a:schemeClr val="tx1"/>
-          </a:fontRef>
-        </p:style>
-      </p:cxnSp>
-      <p:sp>
-        <p:nvSpPr>
-          <p:cNvPr id="61" name="文本框 60">
-            <a:extLst>
-              <a:ext uri="{FF2B5EF4-FFF2-40B4-BE49-F238E27FC236}">
-                <a16:creationId xmlns:a16="http://schemas.microsoft.com/office/drawing/2014/main" id="{860ADFB6-7675-CB31-CB87-F48F80D92046}"/>
-              </a:ext>
-            </a:extLst>
-          </p:cNvPr>
-          <p:cNvSpPr txBox="1"/>
-          <p:nvPr/>
-        </p:nvSpPr>
-        <p:spPr>
-          <a:xfrm>
-            <a:off x="7068108" y="1883667"/>
-            <a:ext cx="1080120" cy="369332"/>
-          </a:xfrm>
-          <a:prstGeom prst="rect">
-            <a:avLst/>
-          </a:prstGeom>
-          <a:noFill/>
-        </p:spPr>
-        <p:txBody>
-          <a:bodyPr wrap="square" rtlCol="0">
-            <a:spAutoFit/>
-          </a:bodyPr>
-          <a:lstStyle/>
-          <a:p>
-            <a:pPr algn="ctr"/>
-            <a:r>
-              <a:rPr lang="zh-CN" altLang="en-US" b="1"/>
-              <a:t>组件</a:t>
-            </a:r>
-            <a:r>
-              <a:rPr lang="en-US" altLang="zh-CN" b="1"/>
-              <a:t>C</a:t>
-            </a:r>
-            <a:endParaRPr lang="zh-CN" altLang="en-US" b="1"/>
-          </a:p>
-        </p:txBody>
-      </p:sp>
-      <p:cxnSp>
-        <p:nvCxnSpPr>
-          <p:cNvPr id="70" name="直接箭头连接符 69">
-            <a:extLst>
-              <a:ext uri="{FF2B5EF4-FFF2-40B4-BE49-F238E27FC236}">
-                <a16:creationId xmlns:a16="http://schemas.microsoft.com/office/drawing/2014/main" id="{E4506F70-3683-904E-C3C4-4AC6481E8CA9}"/>
-              </a:ext>
-            </a:extLst>
-          </p:cNvPr>
-          <p:cNvCxnSpPr/>
-          <p:nvPr/>
-        </p:nvCxnSpPr>
-        <p:spPr>
-          <a:xfrm>
-            <a:off x="8160467" y="1856710"/>
-            <a:ext cx="0" cy="792578"/>
-          </a:xfrm>
-          <a:prstGeom prst="straightConnector1">
-            <a:avLst/>
-          </a:prstGeom>
-          <a:ln>
-            <a:solidFill>
-              <a:schemeClr val="tx1"/>
-            </a:solidFill>
-            <a:tailEnd type="triangle"/>
-          </a:ln>
-        </p:spPr>
-        <p:style>
-          <a:lnRef idx="1">
-            <a:schemeClr val="accent1"/>
-          </a:lnRef>
-          <a:fillRef idx="0">
-            <a:schemeClr val="accent1"/>
-          </a:fillRef>
-          <a:effectRef idx="0">
-            <a:schemeClr val="accent1"/>
-          </a:effectRef>
-          <a:fontRef idx="minor">
-            <a:schemeClr val="tx1"/>
-          </a:fontRef>
-        </p:style>
-      </p:cxnSp>
-      <p:sp>
-        <p:nvSpPr>
           <p:cNvPr id="4" name="文本框 3">
             <a:extLst>
               <a:ext uri="{FF2B5EF4-FFF2-40B4-BE49-F238E27FC236}">
@@ -7122,59 +5827,1377 @@
           </a:p>
         </p:txBody>
       </p:sp>
-      <p:sp>
-        <p:nvSpPr>
-          <p:cNvPr id="7" name="箭头: 右 6">
+      <p:grpSp>
+        <p:nvGrpSpPr>
+          <p:cNvPr id="5" name="组合 4">
             <a:extLst>
               <a:ext uri="{FF2B5EF4-FFF2-40B4-BE49-F238E27FC236}">
-                <a16:creationId xmlns:a16="http://schemas.microsoft.com/office/drawing/2014/main" id="{DFA26D8B-5B81-2284-75FF-C67975BE379F}"/>
+                <a16:creationId xmlns:a16="http://schemas.microsoft.com/office/drawing/2014/main" id="{20A884D1-5245-1F22-FE4F-BFFB3200E0DC}"/>
               </a:ext>
             </a:extLst>
           </p:cNvPr>
-          <p:cNvSpPr/>
+          <p:cNvGrpSpPr/>
           <p:nvPr/>
-        </p:nvSpPr>
-        <p:spPr>
+        </p:nvGrpSpPr>
+        <p:grpSpPr>
           <a:xfrm>
-            <a:off x="5782367" y="2982748"/>
-            <a:ext cx="700291" cy="484632"/>
+            <a:off x="1048265" y="1016732"/>
+            <a:ext cx="10100534" cy="3874985"/>
+            <a:chOff x="1048265" y="1016732"/>
+            <a:chExt cx="10100534" cy="3874985"/>
           </a:xfrm>
-          <a:prstGeom prst="rightArrow">
-            <a:avLst/>
-          </a:prstGeom>
-          <a:solidFill>
-            <a:schemeClr val="bg1"/>
-          </a:solidFill>
-        </p:spPr>
-        <p:style>
-          <a:lnRef idx="2">
-            <a:schemeClr val="accent1">
-              <a:shade val="15000"/>
-            </a:schemeClr>
-          </a:lnRef>
-          <a:fillRef idx="1">
-            <a:schemeClr val="accent1"/>
-          </a:fillRef>
-          <a:effectRef idx="0">
-            <a:schemeClr val="accent1"/>
-          </a:effectRef>
-          <a:fontRef idx="minor">
-            <a:schemeClr val="lt1"/>
-          </a:fontRef>
-        </p:style>
-        <p:txBody>
-          <a:bodyPr rtlCol="0" anchor="t"/>
-          <a:lstStyle/>
-          <a:p>
-            <a:pPr algn="ctr"/>
-            <a:endParaRPr lang="zh-CN" altLang="en-US" sz="1600" b="1">
+        </p:grpSpPr>
+        <p:sp>
+          <p:nvSpPr>
+            <p:cNvPr id="25" name="矩形 24">
+              <a:extLst>
+                <a:ext uri="{FF2B5EF4-FFF2-40B4-BE49-F238E27FC236}">
+                  <a16:creationId xmlns:a16="http://schemas.microsoft.com/office/drawing/2014/main" id="{A3FFE565-C0A1-1F96-8174-10A67845C838}"/>
+                </a:ext>
+              </a:extLst>
+            </p:cNvPr>
+            <p:cNvSpPr/>
+            <p:nvPr/>
+          </p:nvSpPr>
+          <p:spPr>
+            <a:xfrm>
+              <a:off x="1055440" y="3336106"/>
+              <a:ext cx="1620180" cy="706715"/>
+            </a:xfrm>
+            <a:prstGeom prst="rect">
+              <a:avLst/>
+            </a:prstGeom>
+            <a:solidFill>
+              <a:schemeClr val="bg1"/>
+            </a:solidFill>
+          </p:spPr>
+          <p:style>
+            <a:lnRef idx="2">
+              <a:schemeClr val="accent1">
+                <a:shade val="15000"/>
+              </a:schemeClr>
+            </a:lnRef>
+            <a:fillRef idx="1">
+              <a:schemeClr val="accent1"/>
+            </a:fillRef>
+            <a:effectRef idx="0">
+              <a:schemeClr val="accent1"/>
+            </a:effectRef>
+            <a:fontRef idx="minor">
+              <a:schemeClr val="lt1"/>
+            </a:fontRef>
+          </p:style>
+          <p:txBody>
+            <a:bodyPr rtlCol="0" anchor="ctr"/>
+            <a:lstStyle/>
+            <a:p>
+              <a:pPr algn="ctr"/>
+              <a:r>
+                <a:rPr lang="zh-CN" altLang="en-US" sz="1600">
+                  <a:solidFill>
+                    <a:schemeClr val="tx1"/>
+                  </a:solidFill>
+                </a:rPr>
+                <a:t>结构定义</a:t>
+              </a:r>
+              <a:endParaRPr lang="en-US" altLang="zh-CN" sz="1600">
+                <a:solidFill>
+                  <a:schemeClr val="tx1"/>
+                </a:solidFill>
+              </a:endParaRPr>
+            </a:p>
+            <a:p>
+              <a:pPr algn="ctr"/>
+              <a:r>
+                <a:rPr lang="en-US" altLang="zh-CN" sz="1600">
+                  <a:solidFill>
+                    <a:schemeClr val="tx1"/>
+                  </a:solidFill>
+                </a:rPr>
+                <a:t>struct</a:t>
+              </a:r>
+            </a:p>
+          </p:txBody>
+        </p:sp>
+        <p:sp>
+          <p:nvSpPr>
+            <p:cNvPr id="2" name="矩形 1">
+              <a:extLst>
+                <a:ext uri="{FF2B5EF4-FFF2-40B4-BE49-F238E27FC236}">
+                  <a16:creationId xmlns:a16="http://schemas.microsoft.com/office/drawing/2014/main" id="{B26B573E-A783-A167-ED89-728E7D036F7D}"/>
+                </a:ext>
+              </a:extLst>
+            </p:cNvPr>
+            <p:cNvSpPr/>
+            <p:nvPr/>
+          </p:nvSpPr>
+          <p:spPr>
+            <a:xfrm>
+              <a:off x="1055440" y="2629391"/>
+              <a:ext cx="1620180" cy="706715"/>
+            </a:xfrm>
+            <a:prstGeom prst="rect">
+              <a:avLst/>
+            </a:prstGeom>
+            <a:solidFill>
+              <a:schemeClr val="bg1"/>
+            </a:solidFill>
+          </p:spPr>
+          <p:style>
+            <a:lnRef idx="2">
+              <a:schemeClr val="accent1">
+                <a:shade val="15000"/>
+              </a:schemeClr>
+            </a:lnRef>
+            <a:fillRef idx="1">
+              <a:schemeClr val="accent1"/>
+            </a:fillRef>
+            <a:effectRef idx="0">
+              <a:schemeClr val="accent1"/>
+            </a:effectRef>
+            <a:fontRef idx="minor">
+              <a:schemeClr val="lt1"/>
+            </a:fontRef>
+          </p:style>
+          <p:txBody>
+            <a:bodyPr rtlCol="0" anchor="ctr"/>
+            <a:lstStyle/>
+            <a:p>
+              <a:pPr algn="ctr"/>
+              <a:r>
+                <a:rPr lang="zh-CN" altLang="en-US" sz="1600">
+                  <a:solidFill>
+                    <a:schemeClr val="tx1"/>
+                  </a:solidFill>
+                </a:rPr>
+                <a:t>关联方法</a:t>
+              </a:r>
+              <a:endParaRPr lang="en-US" altLang="zh-CN" sz="1600">
+                <a:solidFill>
+                  <a:schemeClr val="tx1"/>
+                </a:solidFill>
+              </a:endParaRPr>
+            </a:p>
+            <a:p>
+              <a:pPr algn="ctr"/>
+              <a:r>
+                <a:rPr lang="en-US" altLang="zh-CN" sz="1600">
+                  <a:solidFill>
+                    <a:schemeClr val="tx1"/>
+                  </a:solidFill>
+                </a:rPr>
+                <a:t>new/get/set</a:t>
+              </a:r>
+            </a:p>
+          </p:txBody>
+        </p:sp>
+        <p:sp>
+          <p:nvSpPr>
+            <p:cNvPr id="10" name="矩形 9">
+              <a:extLst>
+                <a:ext uri="{FF2B5EF4-FFF2-40B4-BE49-F238E27FC236}">
+                  <a16:creationId xmlns:a16="http://schemas.microsoft.com/office/drawing/2014/main" id="{F118FA90-C6F5-E0BE-9BDA-CB0F981E15E8}"/>
+                </a:ext>
+              </a:extLst>
+            </p:cNvPr>
+            <p:cNvSpPr/>
+            <p:nvPr/>
+          </p:nvSpPr>
+          <p:spPr>
+            <a:xfrm>
+              <a:off x="1048265" y="1922676"/>
+              <a:ext cx="1620180" cy="706715"/>
+            </a:xfrm>
+            <a:prstGeom prst="rect">
+              <a:avLst/>
+            </a:prstGeom>
+            <a:solidFill>
+              <a:schemeClr val="bg1"/>
+            </a:solidFill>
+            <a:ln>
+              <a:prstDash val="dash"/>
+            </a:ln>
+          </p:spPr>
+          <p:style>
+            <a:lnRef idx="2">
+              <a:schemeClr val="accent1">
+                <a:shade val="15000"/>
+              </a:schemeClr>
+            </a:lnRef>
+            <a:fillRef idx="1">
+              <a:schemeClr val="accent1"/>
+            </a:fillRef>
+            <a:effectRef idx="0">
+              <a:schemeClr val="accent1"/>
+            </a:effectRef>
+            <a:fontRef idx="minor">
+              <a:schemeClr val="lt1"/>
+            </a:fontRef>
+          </p:style>
+          <p:txBody>
+            <a:bodyPr rtlCol="0" anchor="ctr"/>
+            <a:lstStyle/>
+            <a:p>
+              <a:pPr algn="ctr"/>
+              <a:r>
+                <a:rPr lang="zh-CN" altLang="en-US" sz="1600" b="1">
+                  <a:solidFill>
+                    <a:schemeClr val="tx1"/>
+                  </a:solidFill>
+                </a:rPr>
+                <a:t>新增关联方法</a:t>
+              </a:r>
+              <a:endParaRPr lang="en-US" altLang="zh-CN" sz="1600" b="1">
+                <a:solidFill>
+                  <a:schemeClr val="tx1"/>
+                </a:solidFill>
+              </a:endParaRPr>
+            </a:p>
+            <a:p>
+              <a:pPr algn="ctr"/>
+              <a:r>
+                <a:rPr lang="en-US" altLang="zh-CN" sz="1600" b="1">
+                  <a:solidFill>
+                    <a:schemeClr val="tx1"/>
+                  </a:solidFill>
+                </a:rPr>
+                <a:t>(</a:t>
+              </a:r>
+              <a:r>
+                <a:rPr lang="zh-CN" altLang="en-US" sz="1600" b="1">
+                  <a:solidFill>
+                    <a:schemeClr val="tx1"/>
+                  </a:solidFill>
+                </a:rPr>
+                <a:t>涉及</a:t>
+              </a:r>
+              <a:r>
+                <a:rPr lang="en-US" altLang="zh-CN" sz="1600" b="1">
+                  <a:solidFill>
+                    <a:schemeClr val="tx1"/>
+                  </a:solidFill>
+                </a:rPr>
+                <a:t>A)</a:t>
+              </a:r>
+            </a:p>
+          </p:txBody>
+        </p:sp>
+        <p:sp>
+          <p:nvSpPr>
+            <p:cNvPr id="11" name="文本框 10">
+              <a:extLst>
+                <a:ext uri="{FF2B5EF4-FFF2-40B4-BE49-F238E27FC236}">
+                  <a16:creationId xmlns:a16="http://schemas.microsoft.com/office/drawing/2014/main" id="{ED3AB616-7BC4-24DE-3F7A-9DCF796E8400}"/>
+                </a:ext>
+              </a:extLst>
+            </p:cNvPr>
+            <p:cNvSpPr txBox="1"/>
+            <p:nvPr/>
+          </p:nvSpPr>
+          <p:spPr>
+            <a:xfrm>
+              <a:off x="1307468" y="4156914"/>
+              <a:ext cx="1080120" cy="369332"/>
+            </a:xfrm>
+            <a:prstGeom prst="rect">
+              <a:avLst/>
+            </a:prstGeom>
+            <a:noFill/>
+          </p:spPr>
+          <p:txBody>
+            <a:bodyPr wrap="square" rtlCol="0">
+              <a:spAutoFit/>
+            </a:bodyPr>
+            <a:lstStyle/>
+            <a:p>
+              <a:pPr algn="ctr"/>
+              <a:r>
+                <a:rPr lang="zh-CN" altLang="en-US" b="1"/>
+                <a:t>组件</a:t>
+              </a:r>
+              <a:r>
+                <a:rPr lang="en-US" altLang="zh-CN" b="1"/>
+                <a:t>B</a:t>
+              </a:r>
+              <a:endParaRPr lang="zh-CN" altLang="en-US" b="1"/>
+            </a:p>
+          </p:txBody>
+        </p:sp>
+        <p:sp>
+          <p:nvSpPr>
+            <p:cNvPr id="12" name="矩形 11">
+              <a:extLst>
+                <a:ext uri="{FF2B5EF4-FFF2-40B4-BE49-F238E27FC236}">
+                  <a16:creationId xmlns:a16="http://schemas.microsoft.com/office/drawing/2014/main" id="{93DC1831-247C-5A12-7501-EA381AF1F747}"/>
+                </a:ext>
+              </a:extLst>
+            </p:cNvPr>
+            <p:cNvSpPr/>
+            <p:nvPr/>
+          </p:nvSpPr>
+          <p:spPr>
+            <a:xfrm>
+              <a:off x="3755740" y="3352310"/>
+              <a:ext cx="1620180" cy="706715"/>
+            </a:xfrm>
+            <a:prstGeom prst="rect">
+              <a:avLst/>
+            </a:prstGeom>
+            <a:solidFill>
+              <a:schemeClr val="bg1"/>
+            </a:solidFill>
+          </p:spPr>
+          <p:style>
+            <a:lnRef idx="2">
+              <a:schemeClr val="accent1">
+                <a:shade val="15000"/>
+              </a:schemeClr>
+            </a:lnRef>
+            <a:fillRef idx="1">
+              <a:schemeClr val="accent1"/>
+            </a:fillRef>
+            <a:effectRef idx="0">
+              <a:schemeClr val="accent1"/>
+            </a:effectRef>
+            <a:fontRef idx="minor">
+              <a:schemeClr val="lt1"/>
+            </a:fontRef>
+          </p:style>
+          <p:txBody>
+            <a:bodyPr rtlCol="0" anchor="ctr"/>
+            <a:lstStyle/>
+            <a:p>
+              <a:pPr algn="ctr"/>
+              <a:r>
+                <a:rPr lang="zh-CN" altLang="en-US" sz="1600">
+                  <a:solidFill>
+                    <a:schemeClr val="tx1"/>
+                  </a:solidFill>
+                </a:rPr>
+                <a:t>结构定义</a:t>
+              </a:r>
+              <a:endParaRPr lang="en-US" altLang="zh-CN" sz="1600">
+                <a:solidFill>
+                  <a:schemeClr val="tx1"/>
+                </a:solidFill>
+              </a:endParaRPr>
+            </a:p>
+            <a:p>
+              <a:pPr algn="ctr"/>
+              <a:r>
+                <a:rPr lang="en-US" altLang="zh-CN" sz="1600">
+                  <a:solidFill>
+                    <a:schemeClr val="tx1"/>
+                  </a:solidFill>
+                </a:rPr>
+                <a:t>struct</a:t>
+              </a:r>
+            </a:p>
+          </p:txBody>
+        </p:sp>
+        <p:sp>
+          <p:nvSpPr>
+            <p:cNvPr id="13" name="矩形 12">
+              <a:extLst>
+                <a:ext uri="{FF2B5EF4-FFF2-40B4-BE49-F238E27FC236}">
+                  <a16:creationId xmlns:a16="http://schemas.microsoft.com/office/drawing/2014/main" id="{C66C5869-6B0D-FA45-95B0-0EF6F963DE02}"/>
+                </a:ext>
+              </a:extLst>
+            </p:cNvPr>
+            <p:cNvSpPr/>
+            <p:nvPr/>
+          </p:nvSpPr>
+          <p:spPr>
+            <a:xfrm>
+              <a:off x="3755740" y="2645595"/>
+              <a:ext cx="1620180" cy="706715"/>
+            </a:xfrm>
+            <a:prstGeom prst="rect">
+              <a:avLst/>
+            </a:prstGeom>
+            <a:solidFill>
+              <a:schemeClr val="bg1"/>
+            </a:solidFill>
+          </p:spPr>
+          <p:style>
+            <a:lnRef idx="2">
+              <a:schemeClr val="accent1">
+                <a:shade val="15000"/>
+              </a:schemeClr>
+            </a:lnRef>
+            <a:fillRef idx="1">
+              <a:schemeClr val="accent1"/>
+            </a:fillRef>
+            <a:effectRef idx="0">
+              <a:schemeClr val="accent1"/>
+            </a:effectRef>
+            <a:fontRef idx="minor">
+              <a:schemeClr val="lt1"/>
+            </a:fontRef>
+          </p:style>
+          <p:txBody>
+            <a:bodyPr rtlCol="0" anchor="ctr"/>
+            <a:lstStyle/>
+            <a:p>
+              <a:pPr algn="ctr"/>
+              <a:r>
+                <a:rPr lang="zh-CN" altLang="en-US" sz="1600">
+                  <a:solidFill>
+                    <a:schemeClr val="tx1"/>
+                  </a:solidFill>
+                </a:rPr>
+                <a:t>关联方法</a:t>
+              </a:r>
+              <a:endParaRPr lang="en-US" altLang="zh-CN" sz="1600">
+                <a:solidFill>
+                  <a:schemeClr val="tx1"/>
+                </a:solidFill>
+              </a:endParaRPr>
+            </a:p>
+            <a:p>
+              <a:pPr algn="ctr"/>
+              <a:r>
+                <a:rPr lang="en-US" altLang="zh-CN" sz="1600">
+                  <a:solidFill>
+                    <a:schemeClr val="tx1"/>
+                  </a:solidFill>
+                </a:rPr>
+                <a:t>new/get/set</a:t>
+              </a:r>
+            </a:p>
+          </p:txBody>
+        </p:sp>
+        <p:sp>
+          <p:nvSpPr>
+            <p:cNvPr id="22" name="文本框 21">
+              <a:extLst>
+                <a:ext uri="{FF2B5EF4-FFF2-40B4-BE49-F238E27FC236}">
+                  <a16:creationId xmlns:a16="http://schemas.microsoft.com/office/drawing/2014/main" id="{4A95845B-14C3-764A-6295-174EB3D64F64}"/>
+                </a:ext>
+              </a:extLst>
+            </p:cNvPr>
+            <p:cNvSpPr txBox="1"/>
+            <p:nvPr/>
+          </p:nvSpPr>
+          <p:spPr>
+            <a:xfrm>
+              <a:off x="4007768" y="4173118"/>
+              <a:ext cx="1080120" cy="369332"/>
+            </a:xfrm>
+            <a:prstGeom prst="rect">
+              <a:avLst/>
+            </a:prstGeom>
+            <a:noFill/>
+          </p:spPr>
+          <p:txBody>
+            <a:bodyPr wrap="square" rtlCol="0">
+              <a:spAutoFit/>
+            </a:bodyPr>
+            <a:lstStyle/>
+            <a:p>
+              <a:pPr algn="ctr"/>
+              <a:r>
+                <a:rPr lang="zh-CN" altLang="en-US" b="1"/>
+                <a:t>组件</a:t>
+              </a:r>
+              <a:r>
+                <a:rPr lang="en-US" altLang="zh-CN" b="1"/>
+                <a:t>A</a:t>
+              </a:r>
+              <a:endParaRPr lang="zh-CN" altLang="en-US" b="1"/>
+            </a:p>
+          </p:txBody>
+        </p:sp>
+        <p:cxnSp>
+          <p:nvCxnSpPr>
+            <p:cNvPr id="31" name="直接连接符 30">
+              <a:extLst>
+                <a:ext uri="{FF2B5EF4-FFF2-40B4-BE49-F238E27FC236}">
+                  <a16:creationId xmlns:a16="http://schemas.microsoft.com/office/drawing/2014/main" id="{93FE6AB7-5B4F-F052-04B3-FE859E5D0C56}"/>
+                </a:ext>
+              </a:extLst>
+            </p:cNvPr>
+            <p:cNvCxnSpPr>
+              <a:cxnSpLocks/>
+            </p:cNvCxnSpPr>
+            <p:nvPr/>
+          </p:nvCxnSpPr>
+          <p:spPr>
+            <a:xfrm>
+              <a:off x="6132513" y="1016732"/>
+              <a:ext cx="0" cy="3874985"/>
+            </a:xfrm>
+            <a:prstGeom prst="line">
+              <a:avLst/>
+            </a:prstGeom>
+            <a:ln w="19050">
               <a:solidFill>
                 <a:schemeClr val="tx1"/>
               </a:solidFill>
-            </a:endParaRPr>
-          </a:p>
-        </p:txBody>
-      </p:sp>
+              <a:prstDash val="dash"/>
+            </a:ln>
+          </p:spPr>
+          <p:style>
+            <a:lnRef idx="1">
+              <a:schemeClr val="accent1"/>
+            </a:lnRef>
+            <a:fillRef idx="0">
+              <a:schemeClr val="accent1"/>
+            </a:fillRef>
+            <a:effectRef idx="0">
+              <a:schemeClr val="accent1"/>
+            </a:effectRef>
+            <a:fontRef idx="minor">
+              <a:schemeClr val="tx1"/>
+            </a:fontRef>
+          </p:style>
+        </p:cxnSp>
+        <p:cxnSp>
+          <p:nvCxnSpPr>
+            <p:cNvPr id="37" name="直接箭头连接符 36">
+              <a:extLst>
+                <a:ext uri="{FF2B5EF4-FFF2-40B4-BE49-F238E27FC236}">
+                  <a16:creationId xmlns:a16="http://schemas.microsoft.com/office/drawing/2014/main" id="{9DE814A5-4DF6-6AD8-57D8-7BCE52CBF5B9}"/>
+                </a:ext>
+              </a:extLst>
+            </p:cNvPr>
+            <p:cNvCxnSpPr>
+              <a:cxnSpLocks/>
+            </p:cNvCxnSpPr>
+            <p:nvPr/>
+          </p:nvCxnSpPr>
+          <p:spPr>
+            <a:xfrm flipH="1">
+              <a:off x="2675620" y="3791879"/>
+              <a:ext cx="1332148" cy="5597"/>
+            </a:xfrm>
+            <a:prstGeom prst="straightConnector1">
+              <a:avLst/>
+            </a:prstGeom>
+            <a:ln w="38100">
+              <a:solidFill>
+                <a:schemeClr val="tx1"/>
+              </a:solidFill>
+              <a:tailEnd type="triangle"/>
+            </a:ln>
+          </p:spPr>
+          <p:style>
+            <a:lnRef idx="1">
+              <a:schemeClr val="accent1"/>
+            </a:lnRef>
+            <a:fillRef idx="0">
+              <a:schemeClr val="accent1"/>
+            </a:fillRef>
+            <a:effectRef idx="0">
+              <a:schemeClr val="accent1"/>
+            </a:effectRef>
+            <a:fontRef idx="minor">
+              <a:schemeClr val="tx1"/>
+            </a:fontRef>
+          </p:style>
+        </p:cxnSp>
+        <p:sp>
+          <p:nvSpPr>
+            <p:cNvPr id="43" name="文本框 42">
+              <a:extLst>
+                <a:ext uri="{FF2B5EF4-FFF2-40B4-BE49-F238E27FC236}">
+                  <a16:creationId xmlns:a16="http://schemas.microsoft.com/office/drawing/2014/main" id="{CC1F5219-695E-4DA5-49F0-8748F3B184D5}"/>
+                </a:ext>
+              </a:extLst>
+            </p:cNvPr>
+            <p:cNvSpPr txBox="1"/>
+            <p:nvPr/>
+          </p:nvSpPr>
+          <p:spPr>
+            <a:xfrm>
+              <a:off x="2970703" y="3431839"/>
+              <a:ext cx="641021" cy="369332"/>
+            </a:xfrm>
+            <a:prstGeom prst="rect">
+              <a:avLst/>
+            </a:prstGeom>
+            <a:noFill/>
+          </p:spPr>
+          <p:txBody>
+            <a:bodyPr wrap="square" rtlCol="0">
+              <a:spAutoFit/>
+            </a:bodyPr>
+            <a:lstStyle/>
+            <a:p>
+              <a:r>
+                <a:rPr lang="zh-CN" altLang="en-US"/>
+                <a:t>成员</a:t>
+              </a:r>
+            </a:p>
+          </p:txBody>
+        </p:sp>
+        <p:cxnSp>
+          <p:nvCxnSpPr>
+            <p:cNvPr id="46" name="直接箭头连接符 45">
+              <a:extLst>
+                <a:ext uri="{FF2B5EF4-FFF2-40B4-BE49-F238E27FC236}">
+                  <a16:creationId xmlns:a16="http://schemas.microsoft.com/office/drawing/2014/main" id="{B8442F23-383E-7514-D6AC-D05B8FF29E14}"/>
+                </a:ext>
+              </a:extLst>
+            </p:cNvPr>
+            <p:cNvCxnSpPr>
+              <a:cxnSpLocks/>
+              <a:stCxn id="10" idx="3"/>
+            </p:cNvCxnSpPr>
+            <p:nvPr/>
+          </p:nvCxnSpPr>
+          <p:spPr>
+            <a:xfrm>
+              <a:off x="2668445" y="2276034"/>
+              <a:ext cx="1087295" cy="1060072"/>
+            </a:xfrm>
+            <a:prstGeom prst="straightConnector1">
+              <a:avLst/>
+            </a:prstGeom>
+            <a:ln>
+              <a:solidFill>
+                <a:schemeClr val="tx1"/>
+              </a:solidFill>
+              <a:tailEnd type="triangle"/>
+            </a:ln>
+          </p:spPr>
+          <p:style>
+            <a:lnRef idx="1">
+              <a:schemeClr val="accent1"/>
+            </a:lnRef>
+            <a:fillRef idx="0">
+              <a:schemeClr val="accent1"/>
+            </a:fillRef>
+            <a:effectRef idx="0">
+              <a:schemeClr val="accent1"/>
+            </a:effectRef>
+            <a:fontRef idx="minor">
+              <a:schemeClr val="tx1"/>
+            </a:fontRef>
+          </p:style>
+        </p:cxnSp>
+        <p:sp>
+          <p:nvSpPr>
+            <p:cNvPr id="49" name="矩形 48">
+              <a:extLst>
+                <a:ext uri="{FF2B5EF4-FFF2-40B4-BE49-F238E27FC236}">
+                  <a16:creationId xmlns:a16="http://schemas.microsoft.com/office/drawing/2014/main" id="{FD751B69-0465-93A3-5898-98A0640BBF72}"/>
+                </a:ext>
+              </a:extLst>
+            </p:cNvPr>
+            <p:cNvSpPr/>
+            <p:nvPr/>
+          </p:nvSpPr>
+          <p:spPr>
+            <a:xfrm>
+              <a:off x="6828319" y="3350552"/>
+              <a:ext cx="1620180" cy="706715"/>
+            </a:xfrm>
+            <a:prstGeom prst="rect">
+              <a:avLst/>
+            </a:prstGeom>
+            <a:solidFill>
+              <a:schemeClr val="bg1"/>
+            </a:solidFill>
+          </p:spPr>
+          <p:style>
+            <a:lnRef idx="2">
+              <a:schemeClr val="accent1">
+                <a:shade val="15000"/>
+              </a:schemeClr>
+            </a:lnRef>
+            <a:fillRef idx="1">
+              <a:schemeClr val="accent1"/>
+            </a:fillRef>
+            <a:effectRef idx="0">
+              <a:schemeClr val="accent1"/>
+            </a:effectRef>
+            <a:fontRef idx="minor">
+              <a:schemeClr val="lt1"/>
+            </a:fontRef>
+          </p:style>
+          <p:txBody>
+            <a:bodyPr rtlCol="0" anchor="ctr"/>
+            <a:lstStyle/>
+            <a:p>
+              <a:pPr algn="ctr"/>
+              <a:r>
+                <a:rPr lang="zh-CN" altLang="en-US" sz="1600">
+                  <a:solidFill>
+                    <a:schemeClr val="tx1"/>
+                  </a:solidFill>
+                </a:rPr>
+                <a:t>结构定义</a:t>
+              </a:r>
+              <a:endParaRPr lang="en-US" altLang="zh-CN" sz="1600">
+                <a:solidFill>
+                  <a:schemeClr val="tx1"/>
+                </a:solidFill>
+              </a:endParaRPr>
+            </a:p>
+            <a:p>
+              <a:pPr algn="ctr"/>
+              <a:r>
+                <a:rPr lang="en-US" altLang="zh-CN" sz="1600">
+                  <a:solidFill>
+                    <a:schemeClr val="tx1"/>
+                  </a:solidFill>
+                </a:rPr>
+                <a:t>struct</a:t>
+              </a:r>
+            </a:p>
+          </p:txBody>
+        </p:sp>
+        <p:sp>
+          <p:nvSpPr>
+            <p:cNvPr id="50" name="矩形 49">
+              <a:extLst>
+                <a:ext uri="{FF2B5EF4-FFF2-40B4-BE49-F238E27FC236}">
+                  <a16:creationId xmlns:a16="http://schemas.microsoft.com/office/drawing/2014/main" id="{2936F2C6-C3FA-E92F-D446-120AA459D0A2}"/>
+                </a:ext>
+              </a:extLst>
+            </p:cNvPr>
+            <p:cNvSpPr/>
+            <p:nvPr/>
+          </p:nvSpPr>
+          <p:spPr>
+            <a:xfrm>
+              <a:off x="6828319" y="2643837"/>
+              <a:ext cx="1620180" cy="706715"/>
+            </a:xfrm>
+            <a:prstGeom prst="rect">
+              <a:avLst/>
+            </a:prstGeom>
+            <a:solidFill>
+              <a:schemeClr val="bg1"/>
+            </a:solidFill>
+          </p:spPr>
+          <p:style>
+            <a:lnRef idx="2">
+              <a:schemeClr val="accent1">
+                <a:shade val="15000"/>
+              </a:schemeClr>
+            </a:lnRef>
+            <a:fillRef idx="1">
+              <a:schemeClr val="accent1"/>
+            </a:fillRef>
+            <a:effectRef idx="0">
+              <a:schemeClr val="accent1"/>
+            </a:effectRef>
+            <a:fontRef idx="minor">
+              <a:schemeClr val="lt1"/>
+            </a:fontRef>
+          </p:style>
+          <p:txBody>
+            <a:bodyPr rtlCol="0" anchor="ctr"/>
+            <a:lstStyle/>
+            <a:p>
+              <a:pPr algn="ctr"/>
+              <a:r>
+                <a:rPr lang="zh-CN" altLang="en-US" sz="1600">
+                  <a:solidFill>
+                    <a:schemeClr val="tx1"/>
+                  </a:solidFill>
+                </a:rPr>
+                <a:t>关联方法</a:t>
+              </a:r>
+              <a:endParaRPr lang="en-US" altLang="zh-CN" sz="1600">
+                <a:solidFill>
+                  <a:schemeClr val="tx1"/>
+                </a:solidFill>
+              </a:endParaRPr>
+            </a:p>
+            <a:p>
+              <a:pPr algn="ctr"/>
+              <a:r>
+                <a:rPr lang="en-US" altLang="zh-CN" sz="1600">
+                  <a:solidFill>
+                    <a:schemeClr val="tx1"/>
+                  </a:solidFill>
+                </a:rPr>
+                <a:t>new/get/set</a:t>
+              </a:r>
+            </a:p>
+          </p:txBody>
+        </p:sp>
+        <p:sp>
+          <p:nvSpPr>
+            <p:cNvPr id="51" name="矩形 50">
+              <a:extLst>
+                <a:ext uri="{FF2B5EF4-FFF2-40B4-BE49-F238E27FC236}">
+                  <a16:creationId xmlns:a16="http://schemas.microsoft.com/office/drawing/2014/main" id="{76839E82-EFD5-B552-9467-993017C7ED1F}"/>
+                </a:ext>
+              </a:extLst>
+            </p:cNvPr>
+            <p:cNvSpPr/>
+            <p:nvPr/>
+          </p:nvSpPr>
+          <p:spPr>
+            <a:xfrm>
+              <a:off x="6821144" y="1160748"/>
+              <a:ext cx="1620180" cy="706715"/>
+            </a:xfrm>
+            <a:prstGeom prst="rect">
+              <a:avLst/>
+            </a:prstGeom>
+            <a:solidFill>
+              <a:schemeClr val="bg1"/>
+            </a:solidFill>
+            <a:ln>
+              <a:prstDash val="solid"/>
+            </a:ln>
+          </p:spPr>
+          <p:style>
+            <a:lnRef idx="2">
+              <a:schemeClr val="accent1">
+                <a:shade val="15000"/>
+              </a:schemeClr>
+            </a:lnRef>
+            <a:fillRef idx="1">
+              <a:schemeClr val="accent1"/>
+            </a:fillRef>
+            <a:effectRef idx="0">
+              <a:schemeClr val="accent1"/>
+            </a:effectRef>
+            <a:fontRef idx="minor">
+              <a:schemeClr val="lt1"/>
+            </a:fontRef>
+          </p:style>
+          <p:txBody>
+            <a:bodyPr rtlCol="0" anchor="ctr"/>
+            <a:lstStyle/>
+            <a:p>
+              <a:pPr algn="ctr"/>
+              <a:r>
+                <a:rPr lang="zh-CN" altLang="en-US" sz="1600" b="1">
+                  <a:solidFill>
+                    <a:schemeClr val="tx1"/>
+                  </a:solidFill>
+                </a:rPr>
+                <a:t>新增关联方法</a:t>
+              </a:r>
+              <a:endParaRPr lang="en-US" altLang="zh-CN" sz="1600" b="1">
+                <a:solidFill>
+                  <a:schemeClr val="tx1"/>
+                </a:solidFill>
+              </a:endParaRPr>
+            </a:p>
+            <a:p>
+              <a:pPr algn="ctr"/>
+              <a:r>
+                <a:rPr lang="en-US" altLang="zh-CN" sz="1600" b="1">
+                  <a:solidFill>
+                    <a:schemeClr val="tx1"/>
+                  </a:solidFill>
+                </a:rPr>
+                <a:t>(</a:t>
+              </a:r>
+              <a:r>
+                <a:rPr lang="zh-CN" altLang="en-US" sz="1600" b="1">
+                  <a:solidFill>
+                    <a:schemeClr val="tx1"/>
+                  </a:solidFill>
+                </a:rPr>
+                <a:t>涉及</a:t>
+              </a:r>
+              <a:r>
+                <a:rPr lang="en-US" altLang="zh-CN" sz="1600" b="1">
+                  <a:solidFill>
+                    <a:schemeClr val="tx1"/>
+                  </a:solidFill>
+                </a:rPr>
+                <a:t>A)</a:t>
+              </a:r>
+            </a:p>
+          </p:txBody>
+        </p:sp>
+        <p:sp>
+          <p:nvSpPr>
+            <p:cNvPr id="52" name="文本框 51">
+              <a:extLst>
+                <a:ext uri="{FF2B5EF4-FFF2-40B4-BE49-F238E27FC236}">
+                  <a16:creationId xmlns:a16="http://schemas.microsoft.com/office/drawing/2014/main" id="{1122838E-9370-A39A-54F3-98271131FC31}"/>
+                </a:ext>
+              </a:extLst>
+            </p:cNvPr>
+            <p:cNvSpPr txBox="1"/>
+            <p:nvPr/>
+          </p:nvSpPr>
+          <p:spPr>
+            <a:xfrm>
+              <a:off x="7080347" y="4171360"/>
+              <a:ext cx="1080120" cy="369332"/>
+            </a:xfrm>
+            <a:prstGeom prst="rect">
+              <a:avLst/>
+            </a:prstGeom>
+            <a:noFill/>
+          </p:spPr>
+          <p:txBody>
+            <a:bodyPr wrap="square" rtlCol="0">
+              <a:spAutoFit/>
+            </a:bodyPr>
+            <a:lstStyle/>
+            <a:p>
+              <a:pPr algn="ctr"/>
+              <a:r>
+                <a:rPr lang="zh-CN" altLang="en-US" b="1"/>
+                <a:t>组件</a:t>
+              </a:r>
+              <a:r>
+                <a:rPr lang="en-US" altLang="zh-CN" b="1"/>
+                <a:t>B</a:t>
+              </a:r>
+              <a:endParaRPr lang="zh-CN" altLang="en-US" b="1"/>
+            </a:p>
+          </p:txBody>
+        </p:sp>
+        <p:sp>
+          <p:nvSpPr>
+            <p:cNvPr id="53" name="矩形 52">
+              <a:extLst>
+                <a:ext uri="{FF2B5EF4-FFF2-40B4-BE49-F238E27FC236}">
+                  <a16:creationId xmlns:a16="http://schemas.microsoft.com/office/drawing/2014/main" id="{5FD897BF-AE29-D34A-4B29-51BFD9149B2D}"/>
+                </a:ext>
+              </a:extLst>
+            </p:cNvPr>
+            <p:cNvSpPr/>
+            <p:nvPr/>
+          </p:nvSpPr>
+          <p:spPr>
+            <a:xfrm>
+              <a:off x="9528619" y="3366756"/>
+              <a:ext cx="1620180" cy="706715"/>
+            </a:xfrm>
+            <a:prstGeom prst="rect">
+              <a:avLst/>
+            </a:prstGeom>
+            <a:solidFill>
+              <a:schemeClr val="bg1"/>
+            </a:solidFill>
+          </p:spPr>
+          <p:style>
+            <a:lnRef idx="2">
+              <a:schemeClr val="accent1">
+                <a:shade val="15000"/>
+              </a:schemeClr>
+            </a:lnRef>
+            <a:fillRef idx="1">
+              <a:schemeClr val="accent1"/>
+            </a:fillRef>
+            <a:effectRef idx="0">
+              <a:schemeClr val="accent1"/>
+            </a:effectRef>
+            <a:fontRef idx="minor">
+              <a:schemeClr val="lt1"/>
+            </a:fontRef>
+          </p:style>
+          <p:txBody>
+            <a:bodyPr rtlCol="0" anchor="ctr"/>
+            <a:lstStyle/>
+            <a:p>
+              <a:pPr algn="ctr"/>
+              <a:r>
+                <a:rPr lang="zh-CN" altLang="en-US" sz="1600">
+                  <a:solidFill>
+                    <a:schemeClr val="tx1"/>
+                  </a:solidFill>
+                </a:rPr>
+                <a:t>结构定义</a:t>
+              </a:r>
+              <a:endParaRPr lang="en-US" altLang="zh-CN" sz="1600">
+                <a:solidFill>
+                  <a:schemeClr val="tx1"/>
+                </a:solidFill>
+              </a:endParaRPr>
+            </a:p>
+            <a:p>
+              <a:pPr algn="ctr"/>
+              <a:r>
+                <a:rPr lang="en-US" altLang="zh-CN" sz="1600">
+                  <a:solidFill>
+                    <a:schemeClr val="tx1"/>
+                  </a:solidFill>
+                </a:rPr>
+                <a:t>struct</a:t>
+              </a:r>
+            </a:p>
+          </p:txBody>
+        </p:sp>
+        <p:sp>
+          <p:nvSpPr>
+            <p:cNvPr id="54" name="矩形 53">
+              <a:extLst>
+                <a:ext uri="{FF2B5EF4-FFF2-40B4-BE49-F238E27FC236}">
+                  <a16:creationId xmlns:a16="http://schemas.microsoft.com/office/drawing/2014/main" id="{A68792C1-05E9-7A38-2A9E-CEC2F43AA3DF}"/>
+                </a:ext>
+              </a:extLst>
+            </p:cNvPr>
+            <p:cNvSpPr/>
+            <p:nvPr/>
+          </p:nvSpPr>
+          <p:spPr>
+            <a:xfrm>
+              <a:off x="9528619" y="2660041"/>
+              <a:ext cx="1620180" cy="706715"/>
+            </a:xfrm>
+            <a:prstGeom prst="rect">
+              <a:avLst/>
+            </a:prstGeom>
+            <a:solidFill>
+              <a:schemeClr val="bg1"/>
+            </a:solidFill>
+          </p:spPr>
+          <p:style>
+            <a:lnRef idx="2">
+              <a:schemeClr val="accent1">
+                <a:shade val="15000"/>
+              </a:schemeClr>
+            </a:lnRef>
+            <a:fillRef idx="1">
+              <a:schemeClr val="accent1"/>
+            </a:fillRef>
+            <a:effectRef idx="0">
+              <a:schemeClr val="accent1"/>
+            </a:effectRef>
+            <a:fontRef idx="minor">
+              <a:schemeClr val="lt1"/>
+            </a:fontRef>
+          </p:style>
+          <p:txBody>
+            <a:bodyPr rtlCol="0" anchor="ctr"/>
+            <a:lstStyle/>
+            <a:p>
+              <a:pPr algn="ctr"/>
+              <a:r>
+                <a:rPr lang="zh-CN" altLang="en-US" sz="1600">
+                  <a:solidFill>
+                    <a:schemeClr val="tx1"/>
+                  </a:solidFill>
+                </a:rPr>
+                <a:t>关联方法</a:t>
+              </a:r>
+              <a:endParaRPr lang="en-US" altLang="zh-CN" sz="1600">
+                <a:solidFill>
+                  <a:schemeClr val="tx1"/>
+                </a:solidFill>
+              </a:endParaRPr>
+            </a:p>
+            <a:p>
+              <a:pPr algn="ctr"/>
+              <a:r>
+                <a:rPr lang="en-US" altLang="zh-CN" sz="1600">
+                  <a:solidFill>
+                    <a:schemeClr val="tx1"/>
+                  </a:solidFill>
+                </a:rPr>
+                <a:t>new/get/set</a:t>
+              </a:r>
+            </a:p>
+          </p:txBody>
+        </p:sp>
+        <p:sp>
+          <p:nvSpPr>
+            <p:cNvPr id="56" name="文本框 55">
+              <a:extLst>
+                <a:ext uri="{FF2B5EF4-FFF2-40B4-BE49-F238E27FC236}">
+                  <a16:creationId xmlns:a16="http://schemas.microsoft.com/office/drawing/2014/main" id="{776028B2-0137-272A-0CDB-10D0FA5B7F3D}"/>
+                </a:ext>
+              </a:extLst>
+            </p:cNvPr>
+            <p:cNvSpPr txBox="1"/>
+            <p:nvPr/>
+          </p:nvSpPr>
+          <p:spPr>
+            <a:xfrm>
+              <a:off x="9780647" y="4187564"/>
+              <a:ext cx="1080120" cy="369332"/>
+            </a:xfrm>
+            <a:prstGeom prst="rect">
+              <a:avLst/>
+            </a:prstGeom>
+            <a:noFill/>
+          </p:spPr>
+          <p:txBody>
+            <a:bodyPr wrap="square" rtlCol="0">
+              <a:spAutoFit/>
+            </a:bodyPr>
+            <a:lstStyle/>
+            <a:p>
+              <a:pPr algn="ctr"/>
+              <a:r>
+                <a:rPr lang="zh-CN" altLang="en-US" b="1"/>
+                <a:t>组件</a:t>
+              </a:r>
+              <a:r>
+                <a:rPr lang="en-US" altLang="zh-CN" b="1"/>
+                <a:t>A</a:t>
+              </a:r>
+              <a:endParaRPr lang="zh-CN" altLang="en-US" b="1"/>
+            </a:p>
+          </p:txBody>
+        </p:sp>
+        <p:cxnSp>
+          <p:nvCxnSpPr>
+            <p:cNvPr id="57" name="直接箭头连接符 56">
+              <a:extLst>
+                <a:ext uri="{FF2B5EF4-FFF2-40B4-BE49-F238E27FC236}">
+                  <a16:creationId xmlns:a16="http://schemas.microsoft.com/office/drawing/2014/main" id="{72E34E0F-10D0-896B-B65E-DE117946F384}"/>
+                </a:ext>
+              </a:extLst>
+            </p:cNvPr>
+            <p:cNvCxnSpPr>
+              <a:cxnSpLocks/>
+            </p:cNvCxnSpPr>
+            <p:nvPr/>
+          </p:nvCxnSpPr>
+          <p:spPr>
+            <a:xfrm flipH="1">
+              <a:off x="8448499" y="3806325"/>
+              <a:ext cx="1332148" cy="5597"/>
+            </a:xfrm>
+            <a:prstGeom prst="straightConnector1">
+              <a:avLst/>
+            </a:prstGeom>
+            <a:ln w="38100">
+              <a:solidFill>
+                <a:schemeClr val="tx1"/>
+              </a:solidFill>
+              <a:tailEnd type="triangle"/>
+            </a:ln>
+          </p:spPr>
+          <p:style>
+            <a:lnRef idx="1">
+              <a:schemeClr val="accent1"/>
+            </a:lnRef>
+            <a:fillRef idx="0">
+              <a:schemeClr val="accent1"/>
+            </a:fillRef>
+            <a:effectRef idx="0">
+              <a:schemeClr val="accent1"/>
+            </a:effectRef>
+            <a:fontRef idx="minor">
+              <a:schemeClr val="tx1"/>
+            </a:fontRef>
+          </p:style>
+        </p:cxnSp>
+        <p:sp>
+          <p:nvSpPr>
+            <p:cNvPr id="58" name="文本框 57">
+              <a:extLst>
+                <a:ext uri="{FF2B5EF4-FFF2-40B4-BE49-F238E27FC236}">
+                  <a16:creationId xmlns:a16="http://schemas.microsoft.com/office/drawing/2014/main" id="{ABCB126E-1A83-8C9A-849D-3E2FA69AB5B1}"/>
+                </a:ext>
+              </a:extLst>
+            </p:cNvPr>
+            <p:cNvSpPr txBox="1"/>
+            <p:nvPr/>
+          </p:nvSpPr>
+          <p:spPr>
+            <a:xfrm>
+              <a:off x="8743582" y="3446285"/>
+              <a:ext cx="641021" cy="369332"/>
+            </a:xfrm>
+            <a:prstGeom prst="rect">
+              <a:avLst/>
+            </a:prstGeom>
+            <a:noFill/>
+          </p:spPr>
+          <p:txBody>
+            <a:bodyPr wrap="square" rtlCol="0">
+              <a:spAutoFit/>
+            </a:bodyPr>
+            <a:lstStyle/>
+            <a:p>
+              <a:r>
+                <a:rPr lang="zh-CN" altLang="en-US"/>
+                <a:t>成员</a:t>
+              </a:r>
+            </a:p>
+          </p:txBody>
+        </p:sp>
+        <p:cxnSp>
+          <p:nvCxnSpPr>
+            <p:cNvPr id="60" name="直接箭头连接符 59">
+              <a:extLst>
+                <a:ext uri="{FF2B5EF4-FFF2-40B4-BE49-F238E27FC236}">
+                  <a16:creationId xmlns:a16="http://schemas.microsoft.com/office/drawing/2014/main" id="{DC63212F-323B-25FC-2797-431C7AF44CAB}"/>
+                </a:ext>
+              </a:extLst>
+            </p:cNvPr>
+            <p:cNvCxnSpPr>
+              <a:cxnSpLocks/>
+              <a:stCxn id="51" idx="3"/>
+            </p:cNvCxnSpPr>
+            <p:nvPr/>
+          </p:nvCxnSpPr>
+          <p:spPr>
+            <a:xfrm>
+              <a:off x="8441324" y="1514106"/>
+              <a:ext cx="1087295" cy="1836446"/>
+            </a:xfrm>
+            <a:prstGeom prst="straightConnector1">
+              <a:avLst/>
+            </a:prstGeom>
+            <a:ln>
+              <a:solidFill>
+                <a:schemeClr val="tx1"/>
+              </a:solidFill>
+              <a:tailEnd type="triangle"/>
+            </a:ln>
+          </p:spPr>
+          <p:style>
+            <a:lnRef idx="1">
+              <a:schemeClr val="accent1"/>
+            </a:lnRef>
+            <a:fillRef idx="0">
+              <a:schemeClr val="accent1"/>
+            </a:fillRef>
+            <a:effectRef idx="0">
+              <a:schemeClr val="accent1"/>
+            </a:effectRef>
+            <a:fontRef idx="minor">
+              <a:schemeClr val="tx1"/>
+            </a:fontRef>
+          </p:style>
+        </p:cxnSp>
+        <p:sp>
+          <p:nvSpPr>
+            <p:cNvPr id="61" name="文本框 60">
+              <a:extLst>
+                <a:ext uri="{FF2B5EF4-FFF2-40B4-BE49-F238E27FC236}">
+                  <a16:creationId xmlns:a16="http://schemas.microsoft.com/office/drawing/2014/main" id="{860ADFB6-7675-CB31-CB87-F48F80D92046}"/>
+                </a:ext>
+              </a:extLst>
+            </p:cNvPr>
+            <p:cNvSpPr txBox="1"/>
+            <p:nvPr/>
+          </p:nvSpPr>
+          <p:spPr>
+            <a:xfrm>
+              <a:off x="7068108" y="1883667"/>
+              <a:ext cx="1080120" cy="369332"/>
+            </a:xfrm>
+            <a:prstGeom prst="rect">
+              <a:avLst/>
+            </a:prstGeom>
+            <a:noFill/>
+          </p:spPr>
+          <p:txBody>
+            <a:bodyPr wrap="square" rtlCol="0">
+              <a:spAutoFit/>
+            </a:bodyPr>
+            <a:lstStyle/>
+            <a:p>
+              <a:pPr algn="ctr"/>
+              <a:r>
+                <a:rPr lang="zh-CN" altLang="en-US" b="1"/>
+                <a:t>组件</a:t>
+              </a:r>
+              <a:r>
+                <a:rPr lang="en-US" altLang="zh-CN" b="1"/>
+                <a:t>C</a:t>
+              </a:r>
+              <a:endParaRPr lang="zh-CN" altLang="en-US" b="1"/>
+            </a:p>
+          </p:txBody>
+        </p:sp>
+        <p:cxnSp>
+          <p:nvCxnSpPr>
+            <p:cNvPr id="70" name="直接箭头连接符 69">
+              <a:extLst>
+                <a:ext uri="{FF2B5EF4-FFF2-40B4-BE49-F238E27FC236}">
+                  <a16:creationId xmlns:a16="http://schemas.microsoft.com/office/drawing/2014/main" id="{E4506F70-3683-904E-C3C4-4AC6481E8CA9}"/>
+                </a:ext>
+              </a:extLst>
+            </p:cNvPr>
+            <p:cNvCxnSpPr/>
+            <p:nvPr/>
+          </p:nvCxnSpPr>
+          <p:spPr>
+            <a:xfrm>
+              <a:off x="8160467" y="1856710"/>
+              <a:ext cx="0" cy="792578"/>
+            </a:xfrm>
+            <a:prstGeom prst="straightConnector1">
+              <a:avLst/>
+            </a:prstGeom>
+            <a:ln>
+              <a:solidFill>
+                <a:schemeClr val="tx1"/>
+              </a:solidFill>
+              <a:tailEnd type="triangle"/>
+            </a:ln>
+          </p:spPr>
+          <p:style>
+            <a:lnRef idx="1">
+              <a:schemeClr val="accent1"/>
+            </a:lnRef>
+            <a:fillRef idx="0">
+              <a:schemeClr val="accent1"/>
+            </a:fillRef>
+            <a:effectRef idx="0">
+              <a:schemeClr val="accent1"/>
+            </a:effectRef>
+            <a:fontRef idx="minor">
+              <a:schemeClr val="tx1"/>
+            </a:fontRef>
+          </p:style>
+        </p:cxnSp>
+        <p:sp>
+          <p:nvSpPr>
+            <p:cNvPr id="7" name="箭头: 右 6">
+              <a:extLst>
+                <a:ext uri="{FF2B5EF4-FFF2-40B4-BE49-F238E27FC236}">
+                  <a16:creationId xmlns:a16="http://schemas.microsoft.com/office/drawing/2014/main" id="{DFA26D8B-5B81-2284-75FF-C67975BE379F}"/>
+                </a:ext>
+              </a:extLst>
+            </p:cNvPr>
+            <p:cNvSpPr/>
+            <p:nvPr/>
+          </p:nvSpPr>
+          <p:spPr>
+            <a:xfrm>
+              <a:off x="5782367" y="2982748"/>
+              <a:ext cx="700291" cy="484632"/>
+            </a:xfrm>
+            <a:prstGeom prst="rightArrow">
+              <a:avLst/>
+            </a:prstGeom>
+            <a:solidFill>
+              <a:schemeClr val="bg1"/>
+            </a:solidFill>
+          </p:spPr>
+          <p:style>
+            <a:lnRef idx="2">
+              <a:schemeClr val="accent1">
+                <a:shade val="15000"/>
+              </a:schemeClr>
+            </a:lnRef>
+            <a:fillRef idx="1">
+              <a:schemeClr val="accent1"/>
+            </a:fillRef>
+            <a:effectRef idx="0">
+              <a:schemeClr val="accent1"/>
+            </a:effectRef>
+            <a:fontRef idx="minor">
+              <a:schemeClr val="lt1"/>
+            </a:fontRef>
+          </p:style>
+          <p:txBody>
+            <a:bodyPr rtlCol="0" anchor="t"/>
+            <a:lstStyle/>
+            <a:p>
+              <a:pPr algn="ctr"/>
+              <a:endParaRPr lang="zh-CN" altLang="en-US" sz="1600" b="1">
+                <a:solidFill>
+                  <a:schemeClr val="tx1"/>
+                </a:solidFill>
+              </a:endParaRPr>
+            </a:p>
+          </p:txBody>
+        </p:sp>
+      </p:grpSp>
       <p:sp>
         <p:nvSpPr>
           <p:cNvPr id="14" name="文本框 13">
